--- a/images/function/図素材.pptx
+++ b/images/function/図素材.pptx
@@ -5,15 +5,16 @@
     <p:sldMasterId id="2147483660" r:id="rId1"/>
   </p:sldMasterIdLst>
   <p:notesMasterIdLst>
-    <p:notesMasterId r:id="rId5"/>
+    <p:notesMasterId r:id="rId6"/>
   </p:notesMasterIdLst>
   <p:handoutMasterIdLst>
-    <p:handoutMasterId r:id="rId6"/>
+    <p:handoutMasterId r:id="rId7"/>
   </p:handoutMasterIdLst>
   <p:sldIdLst>
-    <p:sldId id="570" r:id="rId2"/>
-    <p:sldId id="573" r:id="rId3"/>
-    <p:sldId id="572" r:id="rId4"/>
+    <p:sldId id="574" r:id="rId2"/>
+    <p:sldId id="570" r:id="rId3"/>
+    <p:sldId id="573" r:id="rId4"/>
+    <p:sldId id="572" r:id="rId5"/>
   </p:sldIdLst>
   <p:sldSz cx="9144000" cy="6858000" type="screen4x3"/>
   <p:notesSz cx="6858000" cy="9144000"/>
@@ -217,7 +218,7 @@
           <a:p>
             <a:fld id="{C0D9501B-69D0-4000-9A67-A4069798CF04}" type="datetimeFigureOut">
               <a:rPr kumimoji="1" lang="ja-JP" altLang="en-US" smtClean="0"/>
-              <a:t>2021/5/15</a:t>
+              <a:t>2022/5/23</a:t>
             </a:fld>
             <a:endParaRPr kumimoji="1" lang="ja-JP" altLang="en-US"/>
           </a:p>
@@ -395,7 +396,7 @@
           <a:p>
             <a:fld id="{E1D20702-79C6-4D55-B0C7-6A4E995866BD}" type="datetimeFigureOut">
               <a:rPr kumimoji="1" lang="ja-JP" altLang="en-US" smtClean="0"/>
-              <a:t>2021/5/15</a:t>
+              <a:t>2022/5/23</a:t>
             </a:fld>
             <a:endParaRPr kumimoji="1" lang="ja-JP" altLang="en-US"/>
           </a:p>
@@ -2477,290 +2478,44 @@
           <a:lstStyle/>
           <a:p>
             <a:r>
-              <a:rPr kumimoji="1" lang="en-US" altLang="ja-JP" dirty="0"/>
+              <a:rPr kumimoji="1" lang="en-US" altLang="ja-JP" dirty="0">
+                <a:latin typeface="Source Sans Pro" panose="020B0503030403020204" pitchFamily="34" charset="0"/>
+                <a:ea typeface="Source Sans Pro" panose="020B0503030403020204" pitchFamily="34" charset="0"/>
+              </a:rPr>
               <a:t>float fX = random( 500 );</a:t>
             </a:r>
-            <a:endParaRPr kumimoji="1" lang="ja-JP" altLang="en-US" dirty="0"/>
-          </a:p>
-        </p:txBody>
-      </p:sp>
-      <p:sp>
-        <p:nvSpPr>
-          <p:cNvPr id="11" name="テキスト ボックス 10">
-            <a:extLst>
-              <a:ext uri="{FF2B5EF4-FFF2-40B4-BE49-F238E27FC236}">
-                <a16:creationId xmlns:a16="http://schemas.microsoft.com/office/drawing/2014/main" id="{4C8E5ACB-B75A-4CD3-BB41-43EE8BECC1F5}"/>
-              </a:ext>
-            </a:extLst>
-          </p:cNvPr>
-          <p:cNvSpPr txBox="1"/>
+            <a:endParaRPr kumimoji="1" lang="ja-JP" altLang="en-US" dirty="0">
+              <a:latin typeface="Source Sans Pro" panose="020B0503030403020204" pitchFamily="34" charset="0"/>
+            </a:endParaRPr>
+          </a:p>
+        </p:txBody>
+      </p:sp>
+      <p:sp>
+        <p:nvSpPr>
+          <p:cNvPr id="29" name="左中かっこ 28">
+            <a:extLst>
+              <a:ext uri="{FF2B5EF4-FFF2-40B4-BE49-F238E27FC236}">
+                <a16:creationId xmlns:a16="http://schemas.microsoft.com/office/drawing/2014/main" id="{2A77E5A4-D883-47D0-A18D-1BC89F5A4CE6}"/>
+              </a:ext>
+            </a:extLst>
+          </p:cNvPr>
+          <p:cNvSpPr/>
           <p:nvPr/>
         </p:nvSpPr>
         <p:spPr>
-          <a:xfrm>
-            <a:off x="3640437" y="2041241"/>
-            <a:ext cx="3879588" cy="2862322"/>
-          </a:xfrm>
-          <a:prstGeom prst="rect">
+          <a:xfrm rot="16200000">
+            <a:off x="2769002" y="2221390"/>
+            <a:ext cx="143165" cy="404490"/>
+          </a:xfrm>
+          <a:prstGeom prst="leftBrace">
             <a:avLst/>
           </a:prstGeom>
-          <a:noFill/>
           <a:ln>
             <a:solidFill>
               <a:srgbClr val="0070C0"/>
             </a:solidFill>
           </a:ln>
         </p:spPr>
-        <p:txBody>
-          <a:bodyPr wrap="none" rtlCol="0">
-            <a:spAutoFit/>
-          </a:bodyPr>
-          <a:lstStyle/>
-          <a:p>
-            <a:endParaRPr kumimoji="1" lang="en-US" altLang="ja-JP" dirty="0">
-              <a:solidFill>
-                <a:srgbClr val="008080"/>
-              </a:solidFill>
-            </a:endParaRPr>
-          </a:p>
-          <a:p>
-            <a:endParaRPr lang="en-US" altLang="ja-JP" dirty="0">
-              <a:solidFill>
-                <a:srgbClr val="008080"/>
-              </a:solidFill>
-            </a:endParaRPr>
-          </a:p>
-          <a:p>
-            <a:r>
-              <a:rPr kumimoji="1" lang="en-US" altLang="ja-JP" dirty="0">
-                <a:solidFill>
-                  <a:srgbClr val="008080"/>
-                </a:solidFill>
-              </a:rPr>
-              <a:t>float</a:t>
-            </a:r>
-            <a:r>
-              <a:rPr kumimoji="1" lang="en-US" altLang="ja-JP" dirty="0"/>
-              <a:t> </a:t>
-            </a:r>
-            <a:r>
-              <a:rPr kumimoji="1" lang="en-US" altLang="ja-JP" dirty="0">
-                <a:solidFill>
-                  <a:schemeClr val="accent1">
-                    <a:lumMod val="75000"/>
-                  </a:schemeClr>
-                </a:solidFill>
-              </a:rPr>
-              <a:t>random</a:t>
-            </a:r>
-            <a:r>
-              <a:rPr kumimoji="1" lang="en-US" altLang="ja-JP" dirty="0"/>
-              <a:t>( </a:t>
-            </a:r>
-            <a:r>
-              <a:rPr kumimoji="1" lang="ja-JP" altLang="en-US" dirty="0"/>
-              <a:t>引数</a:t>
-            </a:r>
-            <a:r>
-              <a:rPr kumimoji="1" lang="en-US" altLang="ja-JP" dirty="0"/>
-              <a:t> )</a:t>
-            </a:r>
-          </a:p>
-          <a:p>
-            <a:r>
-              <a:rPr lang="en-US" altLang="ja-JP" dirty="0"/>
-              <a:t>{</a:t>
-            </a:r>
-          </a:p>
-          <a:p>
-            <a:r>
-              <a:rPr lang="en-US" altLang="ja-JP" dirty="0"/>
-              <a:t>    </a:t>
-            </a:r>
-            <a:r>
-              <a:rPr lang="en-US" altLang="ja-JP" dirty="0">
-                <a:solidFill>
-                  <a:schemeClr val="accent2">
-                    <a:lumMod val="50000"/>
-                  </a:schemeClr>
-                </a:solidFill>
-              </a:rPr>
-              <a:t>/**</a:t>
-            </a:r>
-          </a:p>
-          <a:p>
-            <a:r>
-              <a:rPr lang="ja-JP" altLang="en-US" dirty="0">
-                <a:solidFill>
-                  <a:schemeClr val="accent2">
-                    <a:lumMod val="50000"/>
-                  </a:schemeClr>
-                </a:solidFill>
-              </a:rPr>
-              <a:t>        ランダムな値を求める計算</a:t>
-            </a:r>
-            <a:endParaRPr lang="en-US" altLang="ja-JP" dirty="0">
-              <a:solidFill>
-                <a:schemeClr val="accent2">
-                  <a:lumMod val="50000"/>
-                </a:schemeClr>
-              </a:solidFill>
-            </a:endParaRPr>
-          </a:p>
-          <a:p>
-            <a:r>
-              <a:rPr lang="en-US" altLang="ja-JP" dirty="0">
-                <a:solidFill>
-                  <a:schemeClr val="accent2">
-                    <a:lumMod val="50000"/>
-                  </a:schemeClr>
-                </a:solidFill>
-              </a:rPr>
-              <a:t>   */</a:t>
-            </a:r>
-          </a:p>
-          <a:p>
-            <a:endParaRPr lang="en-US" altLang="ja-JP" dirty="0"/>
-          </a:p>
-          <a:p>
-            <a:r>
-              <a:rPr lang="en-US" altLang="ja-JP" dirty="0"/>
-              <a:t>    </a:t>
-            </a:r>
-            <a:r>
-              <a:rPr lang="en-US" altLang="ja-JP" dirty="0">
-                <a:solidFill>
-                  <a:srgbClr val="C00000"/>
-                </a:solidFill>
-              </a:rPr>
-              <a:t>return</a:t>
-            </a:r>
-            <a:r>
-              <a:rPr lang="en-US" altLang="ja-JP" dirty="0"/>
-              <a:t> </a:t>
-            </a:r>
-            <a:r>
-              <a:rPr lang="ja-JP" altLang="en-US" dirty="0"/>
-              <a:t>返り値</a:t>
-            </a:r>
-            <a:r>
-              <a:rPr lang="en-US" altLang="ja-JP" dirty="0"/>
-              <a:t>;	</a:t>
-            </a:r>
-            <a:r>
-              <a:rPr lang="en-US" altLang="ja-JP" dirty="0">
-                <a:solidFill>
-                  <a:schemeClr val="accent2">
-                    <a:lumMod val="50000"/>
-                  </a:schemeClr>
-                </a:solidFill>
-              </a:rPr>
-              <a:t>// </a:t>
-            </a:r>
-            <a:r>
-              <a:rPr lang="ja-JP" altLang="en-US" dirty="0">
-                <a:solidFill>
-                  <a:schemeClr val="accent2">
-                    <a:lumMod val="50000"/>
-                  </a:schemeClr>
-                </a:solidFill>
-              </a:rPr>
-              <a:t>計算結果を返す</a:t>
-            </a:r>
-            <a:endParaRPr lang="en-US" altLang="ja-JP" dirty="0">
-              <a:solidFill>
-                <a:schemeClr val="accent2">
-                  <a:lumMod val="50000"/>
-                </a:schemeClr>
-              </a:solidFill>
-            </a:endParaRPr>
-          </a:p>
-          <a:p>
-            <a:r>
-              <a:rPr lang="en-US" altLang="ja-JP" dirty="0"/>
-              <a:t>}</a:t>
-            </a:r>
-            <a:endParaRPr kumimoji="1" lang="ja-JP" altLang="en-US" dirty="0"/>
-          </a:p>
-        </p:txBody>
-      </p:sp>
-      <p:sp>
-        <p:nvSpPr>
-          <p:cNvPr id="12" name="テキスト ボックス 11">
-            <a:extLst>
-              <a:ext uri="{FF2B5EF4-FFF2-40B4-BE49-F238E27FC236}">
-                <a16:creationId xmlns:a16="http://schemas.microsoft.com/office/drawing/2014/main" id="{6B731BD5-DFF0-4BAC-B9C0-61FA39252882}"/>
-              </a:ext>
-            </a:extLst>
-          </p:cNvPr>
-          <p:cNvSpPr txBox="1"/>
-          <p:nvPr/>
-        </p:nvSpPr>
-        <p:spPr>
-          <a:xfrm>
-            <a:off x="3672231" y="2070931"/>
-            <a:ext cx="1210588" cy="338554"/>
-          </a:xfrm>
-          <a:prstGeom prst="rect">
-            <a:avLst/>
-          </a:prstGeom>
-          <a:noFill/>
-          <a:ln>
-            <a:solidFill>
-              <a:schemeClr val="accent1"/>
-            </a:solidFill>
-          </a:ln>
-        </p:spPr>
-        <p:txBody>
-          <a:bodyPr wrap="none" rtlCol="0">
-            <a:spAutoFit/>
-          </a:bodyPr>
-          <a:lstStyle/>
-          <a:p>
-            <a:r>
-              <a:rPr kumimoji="1" lang="ja-JP" altLang="en-US" sz="1600" dirty="0">
-                <a:solidFill>
-                  <a:schemeClr val="accent1">
-                    <a:lumMod val="75000"/>
-                  </a:schemeClr>
-                </a:solidFill>
-              </a:rPr>
-              <a:t>関数の中身</a:t>
-            </a:r>
-          </a:p>
-        </p:txBody>
-      </p:sp>
-      <p:sp>
-        <p:nvSpPr>
-          <p:cNvPr id="19" name="円弧 18">
-            <a:extLst>
-              <a:ext uri="{FF2B5EF4-FFF2-40B4-BE49-F238E27FC236}">
-                <a16:creationId xmlns:a16="http://schemas.microsoft.com/office/drawing/2014/main" id="{43D9E65C-85C9-4A26-A211-7B5C19BC1B25}"/>
-              </a:ext>
-            </a:extLst>
-          </p:cNvPr>
-          <p:cNvSpPr/>
-          <p:nvPr/>
-        </p:nvSpPr>
-        <p:spPr>
-          <a:xfrm rot="20442282">
-            <a:off x="2640469" y="1537401"/>
-            <a:ext cx="2721894" cy="2984503"/>
-          </a:xfrm>
-          <a:prstGeom prst="arc">
-            <a:avLst>
-              <a:gd name="adj1" fmla="val 14402364"/>
-              <a:gd name="adj2" fmla="val 21475249"/>
-            </a:avLst>
-          </a:prstGeom>
-          <a:ln w="9525">
-            <a:solidFill>
-              <a:srgbClr val="FF0000"/>
-            </a:solidFill>
-            <a:headEnd type="none" w="med" len="med"/>
-            <a:tailEnd type="arrow" w="med" len="med"/>
-          </a:ln>
-        </p:spPr>
         <p:style>
           <a:lnRef idx="1">
             <a:schemeClr val="accent1"/>
@@ -2786,62 +2541,10 @@
       </p:sp>
       <p:sp>
         <p:nvSpPr>
-          <p:cNvPr id="21" name="楕円 20">
-            <a:extLst>
-              <a:ext uri="{FF2B5EF4-FFF2-40B4-BE49-F238E27FC236}">
-                <a16:creationId xmlns:a16="http://schemas.microsoft.com/office/drawing/2014/main" id="{77D1352B-8A34-4CF6-B0E4-7AFCD980B812}"/>
-              </a:ext>
-            </a:extLst>
-          </p:cNvPr>
-          <p:cNvSpPr/>
-          <p:nvPr/>
-        </p:nvSpPr>
-        <p:spPr>
-          <a:xfrm>
-            <a:off x="5045001" y="2546423"/>
-            <a:ext cx="513285" cy="431227"/>
-          </a:xfrm>
-          <a:prstGeom prst="ellipse">
-            <a:avLst/>
-          </a:prstGeom>
-          <a:noFill/>
-          <a:ln>
-            <a:solidFill>
-              <a:srgbClr val="FF0000"/>
-            </a:solidFill>
-          </a:ln>
-        </p:spPr>
-        <p:style>
-          <a:lnRef idx="2">
-            <a:schemeClr val="accent1">
-              <a:shade val="50000"/>
-            </a:schemeClr>
-          </a:lnRef>
-          <a:fillRef idx="1">
-            <a:schemeClr val="accent1"/>
-          </a:fillRef>
-          <a:effectRef idx="0">
-            <a:schemeClr val="accent1"/>
-          </a:effectRef>
-          <a:fontRef idx="minor">
-            <a:schemeClr val="lt1"/>
-          </a:fontRef>
-        </p:style>
-        <p:txBody>
-          <a:bodyPr rtlCol="0" anchor="ctr"/>
-          <a:lstStyle/>
-          <a:p>
-            <a:pPr algn="ctr"/>
-            <a:endParaRPr kumimoji="1" lang="ja-JP" altLang="en-US"/>
-          </a:p>
-        </p:txBody>
-      </p:sp>
-      <p:sp>
-        <p:nvSpPr>
-          <p:cNvPr id="22" name="テキスト ボックス 21">
-            <a:extLst>
-              <a:ext uri="{FF2B5EF4-FFF2-40B4-BE49-F238E27FC236}">
-                <a16:creationId xmlns:a16="http://schemas.microsoft.com/office/drawing/2014/main" id="{74895D4D-54A0-459C-9A44-FF1C8596B05A}"/>
+          <p:cNvPr id="30" name="テキスト ボックス 29">
+            <a:extLst>
+              <a:ext uri="{FF2B5EF4-FFF2-40B4-BE49-F238E27FC236}">
+                <a16:creationId xmlns:a16="http://schemas.microsoft.com/office/drawing/2014/main" id="{EAFF22C1-3145-40E6-8C17-4701837355E7}"/>
               </a:ext>
             </a:extLst>
           </p:cNvPr>
@@ -2850,8 +2553,8 @@
         </p:nvSpPr>
         <p:spPr>
           <a:xfrm>
-            <a:off x="2223820" y="1236232"/>
-            <a:ext cx="1976823" cy="307777"/>
+            <a:off x="2568714" y="2536046"/>
+            <a:ext cx="543739" cy="307777"/>
           </a:xfrm>
           <a:prstGeom prst="rect">
             <a:avLst/>
@@ -2865,323 +2568,9 @@
           <a:lstStyle/>
           <a:p>
             <a:r>
-              <a:rPr kumimoji="1" lang="en-US" altLang="ja-JP" sz="1400" dirty="0">
-                <a:solidFill>
-                  <a:srgbClr val="FF0000"/>
-                </a:solidFill>
-              </a:rPr>
-              <a:t>1. </a:t>
-            </a:r>
-            <a:r>
               <a:rPr kumimoji="1" lang="ja-JP" altLang="en-US" sz="1400" dirty="0">
                 <a:solidFill>
-                  <a:srgbClr val="FF0000"/>
-                </a:solidFill>
-              </a:rPr>
-              <a:t>関数に引数を渡す．</a:t>
-            </a:r>
-          </a:p>
-        </p:txBody>
-      </p:sp>
-      <p:sp>
-        <p:nvSpPr>
-          <p:cNvPr id="23" name="テキスト ボックス 22">
-            <a:extLst>
-              <a:ext uri="{FF2B5EF4-FFF2-40B4-BE49-F238E27FC236}">
-                <a16:creationId xmlns:a16="http://schemas.microsoft.com/office/drawing/2014/main" id="{59704BF6-00E1-4DF2-941A-CA20D9CC6388}"/>
-              </a:ext>
-            </a:extLst>
-          </p:cNvPr>
-          <p:cNvSpPr txBox="1"/>
-          <p:nvPr/>
-        </p:nvSpPr>
-        <p:spPr>
-          <a:xfrm>
-            <a:off x="5454048" y="2993424"/>
-            <a:ext cx="1912355" cy="307777"/>
-          </a:xfrm>
-          <a:prstGeom prst="rect">
-            <a:avLst/>
-          </a:prstGeom>
-          <a:noFill/>
-        </p:spPr>
-        <p:txBody>
-          <a:bodyPr wrap="square" rtlCol="0">
-            <a:spAutoFit/>
-          </a:bodyPr>
-          <a:lstStyle/>
-          <a:p>
-            <a:r>
-              <a:rPr lang="en-US" altLang="ja-JP" sz="1400" dirty="0">
-                <a:solidFill>
-                  <a:srgbClr val="FF0000"/>
-                </a:solidFill>
-              </a:rPr>
-              <a:t>2</a:t>
-            </a:r>
-            <a:r>
-              <a:rPr kumimoji="1" lang="en-US" altLang="ja-JP" sz="1400" dirty="0">
-                <a:solidFill>
-                  <a:srgbClr val="FF0000"/>
-                </a:solidFill>
-              </a:rPr>
-              <a:t>. </a:t>
-            </a:r>
-            <a:r>
-              <a:rPr kumimoji="1" lang="ja-JP" altLang="en-US" sz="1400" dirty="0">
-                <a:solidFill>
-                  <a:srgbClr val="FF0000"/>
-                </a:solidFill>
-              </a:rPr>
-              <a:t>引数を元に</a:t>
-            </a:r>
-            <a:r>
-              <a:rPr lang="ja-JP" altLang="en-US" sz="1400" dirty="0">
-                <a:solidFill>
-                  <a:srgbClr val="FF0000"/>
-                </a:solidFill>
-              </a:rPr>
-              <a:t>計算</a:t>
-            </a:r>
-            <a:endParaRPr kumimoji="1" lang="ja-JP" altLang="en-US" sz="1400" dirty="0">
-              <a:solidFill>
-                <a:srgbClr val="FF0000"/>
-              </a:solidFill>
-            </a:endParaRPr>
-          </a:p>
-        </p:txBody>
-      </p:sp>
-      <p:cxnSp>
-        <p:nvCxnSpPr>
-          <p:cNvPr id="25" name="直線矢印コネクタ 24">
-            <a:extLst>
-              <a:ext uri="{FF2B5EF4-FFF2-40B4-BE49-F238E27FC236}">
-                <a16:creationId xmlns:a16="http://schemas.microsoft.com/office/drawing/2014/main" id="{87346951-B73E-44F0-846D-B46957E8785F}"/>
-              </a:ext>
-            </a:extLst>
-          </p:cNvPr>
-          <p:cNvCxnSpPr>
-            <a:cxnSpLocks/>
-          </p:cNvCxnSpPr>
-          <p:nvPr/>
-        </p:nvCxnSpPr>
-        <p:spPr>
-          <a:xfrm>
-            <a:off x="5439417" y="2993424"/>
-            <a:ext cx="0" cy="1242425"/>
-          </a:xfrm>
-          <a:prstGeom prst="straightConnector1">
-            <a:avLst/>
-          </a:prstGeom>
-          <a:ln w="9525">
-            <a:solidFill>
-              <a:srgbClr val="FF0000"/>
-            </a:solidFill>
-            <a:tailEnd type="triangle"/>
-          </a:ln>
-        </p:spPr>
-        <p:style>
-          <a:lnRef idx="1">
-            <a:schemeClr val="accent1"/>
-          </a:lnRef>
-          <a:fillRef idx="0">
-            <a:schemeClr val="accent1"/>
-          </a:fillRef>
-          <a:effectRef idx="0">
-            <a:schemeClr val="accent1"/>
-          </a:effectRef>
-          <a:fontRef idx="minor">
-            <a:schemeClr val="tx1"/>
-          </a:fontRef>
-        </p:style>
-      </p:cxnSp>
-      <p:sp>
-        <p:nvSpPr>
-          <p:cNvPr id="27" name="円弧 26">
-            <a:extLst>
-              <a:ext uri="{FF2B5EF4-FFF2-40B4-BE49-F238E27FC236}">
-                <a16:creationId xmlns:a16="http://schemas.microsoft.com/office/drawing/2014/main" id="{78198766-54A5-4759-9EE8-91F56EBA8D39}"/>
-              </a:ext>
-            </a:extLst>
-          </p:cNvPr>
-          <p:cNvSpPr/>
-          <p:nvPr/>
-        </p:nvSpPr>
-        <p:spPr>
-          <a:xfrm rot="11211622">
-            <a:off x="2366388" y="-140024"/>
-            <a:ext cx="3268242" cy="5266071"/>
-          </a:xfrm>
-          <a:prstGeom prst="arc">
-            <a:avLst>
-              <a:gd name="adj1" fmla="val 14438737"/>
-              <a:gd name="adj2" fmla="val 19534286"/>
-            </a:avLst>
-          </a:prstGeom>
-          <a:ln w="9525">
-            <a:solidFill>
-              <a:srgbClr val="FF0000"/>
-            </a:solidFill>
-            <a:headEnd type="none" w="med" len="med"/>
-            <a:tailEnd type="arrow" w="med" len="med"/>
-          </a:ln>
-        </p:spPr>
-        <p:style>
-          <a:lnRef idx="1">
-            <a:schemeClr val="accent1"/>
-          </a:lnRef>
-          <a:fillRef idx="0">
-            <a:schemeClr val="accent1"/>
-          </a:fillRef>
-          <a:effectRef idx="0">
-            <a:schemeClr val="accent1"/>
-          </a:effectRef>
-          <a:fontRef idx="minor">
-            <a:schemeClr val="tx1"/>
-          </a:fontRef>
-        </p:style>
-        <p:txBody>
-          <a:bodyPr rtlCol="0" anchor="ctr"/>
-          <a:lstStyle/>
-          <a:p>
-            <a:pPr algn="ctr"/>
-            <a:endParaRPr kumimoji="1" lang="ja-JP" altLang="en-US"/>
-          </a:p>
-        </p:txBody>
-      </p:sp>
-      <p:sp>
-        <p:nvSpPr>
-          <p:cNvPr id="28" name="テキスト ボックス 27">
-            <a:extLst>
-              <a:ext uri="{FF2B5EF4-FFF2-40B4-BE49-F238E27FC236}">
-                <a16:creationId xmlns:a16="http://schemas.microsoft.com/office/drawing/2014/main" id="{777A0056-423A-42A6-A835-A88992C54F55}"/>
-              </a:ext>
-            </a:extLst>
-          </p:cNvPr>
-          <p:cNvSpPr txBox="1"/>
-          <p:nvPr/>
-        </p:nvSpPr>
-        <p:spPr>
-          <a:xfrm>
-            <a:off x="3886439" y="5100968"/>
-            <a:ext cx="3105955" cy="307777"/>
-          </a:xfrm>
-          <a:prstGeom prst="rect">
-            <a:avLst/>
-          </a:prstGeom>
-          <a:noFill/>
-        </p:spPr>
-        <p:txBody>
-          <a:bodyPr wrap="square" rtlCol="0">
-            <a:spAutoFit/>
-          </a:bodyPr>
-          <a:lstStyle/>
-          <a:p>
-            <a:r>
-              <a:rPr kumimoji="1" lang="en-US" altLang="ja-JP" sz="1400" dirty="0">
-                <a:solidFill>
-                  <a:srgbClr val="FF0000"/>
-                </a:solidFill>
-              </a:rPr>
-              <a:t>3. </a:t>
-            </a:r>
-            <a:r>
-              <a:rPr lang="ja-JP" altLang="en-US" sz="1400" dirty="0">
-                <a:solidFill>
-                  <a:srgbClr val="FF0000"/>
-                </a:solidFill>
-              </a:rPr>
-              <a:t>計算結果を関数呼び出し元に返す．</a:t>
-            </a:r>
-            <a:endParaRPr kumimoji="1" lang="en-US" altLang="ja-JP" sz="1400" dirty="0">
-              <a:solidFill>
-                <a:srgbClr val="FF0000"/>
-              </a:solidFill>
-            </a:endParaRPr>
-          </a:p>
-        </p:txBody>
-      </p:sp>
-      <p:sp>
-        <p:nvSpPr>
-          <p:cNvPr id="29" name="左中かっこ 28">
-            <a:extLst>
-              <a:ext uri="{FF2B5EF4-FFF2-40B4-BE49-F238E27FC236}">
-                <a16:creationId xmlns:a16="http://schemas.microsoft.com/office/drawing/2014/main" id="{2A77E5A4-D883-47D0-A18D-1BC89F5A4CE6}"/>
-              </a:ext>
-            </a:extLst>
-          </p:cNvPr>
-          <p:cNvSpPr/>
-          <p:nvPr/>
-        </p:nvSpPr>
-        <p:spPr>
-          <a:xfrm rot="16200000">
-            <a:off x="2769002" y="2221390"/>
-            <a:ext cx="143165" cy="404490"/>
-          </a:xfrm>
-          <a:prstGeom prst="leftBrace">
-            <a:avLst/>
-          </a:prstGeom>
-          <a:ln>
-            <a:solidFill>
-              <a:srgbClr val="FF9900"/>
-            </a:solidFill>
-          </a:ln>
-        </p:spPr>
-        <p:style>
-          <a:lnRef idx="1">
-            <a:schemeClr val="accent1"/>
-          </a:lnRef>
-          <a:fillRef idx="0">
-            <a:schemeClr val="accent1"/>
-          </a:fillRef>
-          <a:effectRef idx="0">
-            <a:schemeClr val="accent1"/>
-          </a:effectRef>
-          <a:fontRef idx="minor">
-            <a:schemeClr val="tx1"/>
-          </a:fontRef>
-        </p:style>
-        <p:txBody>
-          <a:bodyPr rtlCol="0" anchor="ctr"/>
-          <a:lstStyle/>
-          <a:p>
-            <a:pPr algn="ctr"/>
-            <a:endParaRPr kumimoji="1" lang="ja-JP" altLang="en-US"/>
-          </a:p>
-        </p:txBody>
-      </p:sp>
-      <p:sp>
-        <p:nvSpPr>
-          <p:cNvPr id="30" name="テキスト ボックス 29">
-            <a:extLst>
-              <a:ext uri="{FF2B5EF4-FFF2-40B4-BE49-F238E27FC236}">
-                <a16:creationId xmlns:a16="http://schemas.microsoft.com/office/drawing/2014/main" id="{EAFF22C1-3145-40E6-8C17-4701837355E7}"/>
-              </a:ext>
-            </a:extLst>
-          </p:cNvPr>
-          <p:cNvSpPr txBox="1"/>
-          <p:nvPr/>
-        </p:nvSpPr>
-        <p:spPr>
-          <a:xfrm>
-            <a:off x="2592057" y="2546422"/>
-            <a:ext cx="543739" cy="307777"/>
-          </a:xfrm>
-          <a:prstGeom prst="rect">
-            <a:avLst/>
-          </a:prstGeom>
-          <a:noFill/>
-        </p:spPr>
-        <p:txBody>
-          <a:bodyPr wrap="none" rtlCol="0">
-            <a:spAutoFit/>
-          </a:bodyPr>
-          <a:lstStyle/>
-          <a:p>
-            <a:r>
-              <a:rPr kumimoji="1" lang="ja-JP" altLang="en-US" sz="1400" dirty="0">
-                <a:solidFill>
-                  <a:srgbClr val="FF9900"/>
+                  <a:srgbClr val="0070C0"/>
                 </a:solidFill>
               </a:rPr>
               <a:t>引数</a:t>
@@ -3211,7 +2600,7 @@
           </a:prstGeom>
           <a:ln>
             <a:solidFill>
-              <a:schemeClr val="accent1"/>
+              <a:srgbClr val="0070C0"/>
             </a:solidFill>
           </a:ln>
         </p:spPr>
@@ -3273,7 +2662,7 @@
             <a:r>
               <a:rPr kumimoji="1" lang="ja-JP" altLang="en-US" sz="1400" dirty="0">
                 <a:solidFill>
-                  <a:schemeClr val="accent1"/>
+                  <a:srgbClr val="0070C0"/>
                 </a:solidFill>
               </a:rPr>
               <a:t>関数名</a:t>
@@ -3283,62 +2672,10 @@
       </p:sp>
       <p:sp>
         <p:nvSpPr>
-          <p:cNvPr id="33" name="テキスト ボックス 32">
-            <a:extLst>
-              <a:ext uri="{FF2B5EF4-FFF2-40B4-BE49-F238E27FC236}">
-                <a16:creationId xmlns:a16="http://schemas.microsoft.com/office/drawing/2014/main" id="{92823F53-63C2-4AF3-ADF4-AD1F01E59A5E}"/>
-              </a:ext>
-            </a:extLst>
-          </p:cNvPr>
-          <p:cNvSpPr txBox="1"/>
-          <p:nvPr/>
-        </p:nvSpPr>
-        <p:spPr>
-          <a:xfrm>
-            <a:off x="825570" y="3024113"/>
-            <a:ext cx="2326230" cy="307777"/>
-          </a:xfrm>
-          <a:prstGeom prst="rect">
-            <a:avLst/>
-          </a:prstGeom>
-          <a:noFill/>
-        </p:spPr>
-        <p:txBody>
-          <a:bodyPr wrap="square" rtlCol="0">
-            <a:spAutoFit/>
-          </a:bodyPr>
-          <a:lstStyle/>
-          <a:p>
-            <a:r>
-              <a:rPr kumimoji="1" lang="en-US" altLang="ja-JP" sz="1400" dirty="0">
-                <a:solidFill>
-                  <a:srgbClr val="FF0000"/>
-                </a:solidFill>
-              </a:rPr>
-              <a:t>4. </a:t>
-            </a:r>
-            <a:r>
-              <a:rPr kumimoji="1" lang="ja-JP" altLang="en-US" sz="1400" dirty="0">
-                <a:solidFill>
-                  <a:srgbClr val="FF0000"/>
-                </a:solidFill>
-              </a:rPr>
-              <a:t>変数に返り値を代入する．</a:t>
-            </a:r>
-            <a:endParaRPr kumimoji="1" lang="en-US" altLang="ja-JP" sz="1400" dirty="0">
-              <a:solidFill>
-                <a:srgbClr val="FF0000"/>
-              </a:solidFill>
-            </a:endParaRPr>
-          </a:p>
-        </p:txBody>
-      </p:sp>
-      <p:sp>
-        <p:nvSpPr>
-          <p:cNvPr id="34" name="円弧 33">
-            <a:extLst>
-              <a:ext uri="{FF2B5EF4-FFF2-40B4-BE49-F238E27FC236}">
-                <a16:creationId xmlns:a16="http://schemas.microsoft.com/office/drawing/2014/main" id="{F5074C1E-04CA-4ED0-AC5E-723498AF134E}"/>
+          <p:cNvPr id="20" name="左中かっこ 19">
+            <a:extLst>
+              <a:ext uri="{FF2B5EF4-FFF2-40B4-BE49-F238E27FC236}">
+                <a16:creationId xmlns:a16="http://schemas.microsoft.com/office/drawing/2014/main" id="{104FAC63-ECB2-F4D0-187A-2D1686FC9ADE}"/>
               </a:ext>
             </a:extLst>
           </p:cNvPr>
@@ -3346,22 +2683,17 @@
           <p:nvPr/>
         </p:nvSpPr>
         <p:spPr>
-          <a:xfrm rot="11211622">
-            <a:off x="1423339" y="-513254"/>
-            <a:ext cx="3268242" cy="4114526"/>
-          </a:xfrm>
-          <a:prstGeom prst="arc">
-            <a:avLst>
-              <a:gd name="adj1" fmla="val 18051231"/>
-              <a:gd name="adj2" fmla="val 19534286"/>
-            </a:avLst>
-          </a:prstGeom>
-          <a:ln w="9525">
+          <a:xfrm rot="16200000">
+            <a:off x="2397335" y="2382535"/>
+            <a:ext cx="143166" cy="1287069"/>
+          </a:xfrm>
+          <a:prstGeom prst="leftBrace">
+            <a:avLst/>
+          </a:prstGeom>
+          <a:ln>
             <a:solidFill>
-              <a:srgbClr val="FF0000"/>
+              <a:srgbClr val="0070C0"/>
             </a:solidFill>
-            <a:headEnd type="none" w="med" len="med"/>
-            <a:tailEnd type="arrow" w="med" len="med"/>
           </a:ln>
         </p:spPr>
         <p:style>
@@ -3383,14 +2715,373 @@
           <a:lstStyle/>
           <a:p>
             <a:pPr algn="ctr"/>
+            <a:endParaRPr kumimoji="1" lang="ja-JP" altLang="en-US">
+              <a:solidFill>
+                <a:schemeClr val="accent1"/>
+              </a:solidFill>
+            </a:endParaRPr>
+          </a:p>
+        </p:txBody>
+      </p:sp>
+      <p:sp>
+        <p:nvSpPr>
+          <p:cNvPr id="24" name="テキスト ボックス 23">
+            <a:extLst>
+              <a:ext uri="{FF2B5EF4-FFF2-40B4-BE49-F238E27FC236}">
+                <a16:creationId xmlns:a16="http://schemas.microsoft.com/office/drawing/2014/main" id="{86429642-3963-59BC-DB6C-C3C29D40B3D3}"/>
+              </a:ext>
+            </a:extLst>
+          </p:cNvPr>
+          <p:cNvSpPr txBox="1"/>
+          <p:nvPr/>
+        </p:nvSpPr>
+        <p:spPr>
+          <a:xfrm>
+            <a:off x="2125270" y="3152204"/>
+            <a:ext cx="723275" cy="307777"/>
+          </a:xfrm>
+          <a:prstGeom prst="rect">
+            <a:avLst/>
+          </a:prstGeom>
+          <a:noFill/>
+        </p:spPr>
+        <p:txBody>
+          <a:bodyPr wrap="none" rtlCol="0">
+            <a:spAutoFit/>
+          </a:bodyPr>
+          <a:lstStyle/>
+          <a:p>
+            <a:r>
+              <a:rPr kumimoji="1" lang="ja-JP" altLang="en-US" sz="1400">
+                <a:solidFill>
+                  <a:srgbClr val="0070C0"/>
+                </a:solidFill>
+              </a:rPr>
+              <a:t>返り値</a:t>
+            </a:r>
+            <a:endParaRPr kumimoji="1" lang="ja-JP" altLang="en-US" sz="1400" dirty="0">
+              <a:solidFill>
+                <a:srgbClr val="0070C0"/>
+              </a:solidFill>
+            </a:endParaRPr>
+          </a:p>
+        </p:txBody>
+      </p:sp>
+      <p:sp>
+        <p:nvSpPr>
+          <p:cNvPr id="26" name="円弧 25">
+            <a:extLst>
+              <a:ext uri="{FF2B5EF4-FFF2-40B4-BE49-F238E27FC236}">
+                <a16:creationId xmlns:a16="http://schemas.microsoft.com/office/drawing/2014/main" id="{7E3E1E7D-B921-1C47-E764-B3657FB2DA57}"/>
+              </a:ext>
+            </a:extLst>
+          </p:cNvPr>
+          <p:cNvSpPr/>
+          <p:nvPr/>
+        </p:nvSpPr>
+        <p:spPr>
+          <a:xfrm rot="11211622">
+            <a:off x="1469099" y="-29114"/>
+            <a:ext cx="2461342" cy="3354098"/>
+          </a:xfrm>
+          <a:prstGeom prst="arc">
+            <a:avLst>
+              <a:gd name="adj1" fmla="val 16962908"/>
+              <a:gd name="adj2" fmla="val 19289353"/>
+            </a:avLst>
+          </a:prstGeom>
+          <a:ln w="9525">
+            <a:solidFill>
+              <a:schemeClr val="tx1"/>
+            </a:solidFill>
+            <a:headEnd type="none" w="med" len="med"/>
+            <a:tailEnd type="arrow" w="med" len="med"/>
+          </a:ln>
+        </p:spPr>
+        <p:style>
+          <a:lnRef idx="1">
+            <a:schemeClr val="accent1"/>
+          </a:lnRef>
+          <a:fillRef idx="0">
+            <a:schemeClr val="accent1"/>
+          </a:fillRef>
+          <a:effectRef idx="0">
+            <a:schemeClr val="accent1"/>
+          </a:effectRef>
+          <a:fontRef idx="minor">
+            <a:schemeClr val="tx1"/>
+          </a:fontRef>
+        </p:style>
+        <p:txBody>
+          <a:bodyPr rtlCol="0" anchor="ctr"/>
+          <a:lstStyle/>
+          <a:p>
+            <a:pPr algn="ctr"/>
             <a:endParaRPr kumimoji="1" lang="ja-JP" altLang="en-US"/>
+          </a:p>
+        </p:txBody>
+      </p:sp>
+      <p:sp>
+        <p:nvSpPr>
+          <p:cNvPr id="35" name="テキスト ボックス 34">
+            <a:extLst>
+              <a:ext uri="{FF2B5EF4-FFF2-40B4-BE49-F238E27FC236}">
+                <a16:creationId xmlns:a16="http://schemas.microsoft.com/office/drawing/2014/main" id="{BAB16D5D-5BF4-80E3-4272-8985C3888ADB}"/>
+              </a:ext>
+            </a:extLst>
+          </p:cNvPr>
+          <p:cNvSpPr txBox="1"/>
+          <p:nvPr/>
+        </p:nvSpPr>
+        <p:spPr>
+          <a:xfrm>
+            <a:off x="1355341" y="2756527"/>
+            <a:ext cx="492443" cy="276999"/>
+          </a:xfrm>
+          <a:prstGeom prst="rect">
+            <a:avLst/>
+          </a:prstGeom>
+          <a:noFill/>
+        </p:spPr>
+        <p:txBody>
+          <a:bodyPr wrap="none" rtlCol="0">
+            <a:spAutoFit/>
+          </a:bodyPr>
+          <a:lstStyle/>
+          <a:p>
+            <a:r>
+              <a:rPr kumimoji="1" lang="ja-JP" altLang="en-US" sz="1200"/>
+              <a:t>代入</a:t>
+            </a:r>
+            <a:endParaRPr kumimoji="1" lang="ja-JP" altLang="en-US" sz="1200" dirty="0"/>
+          </a:p>
+        </p:txBody>
+      </p:sp>
+      <p:sp>
+        <p:nvSpPr>
+          <p:cNvPr id="36" name="テキスト ボックス 35">
+            <a:extLst>
+              <a:ext uri="{FF2B5EF4-FFF2-40B4-BE49-F238E27FC236}">
+                <a16:creationId xmlns:a16="http://schemas.microsoft.com/office/drawing/2014/main" id="{0FFAD039-07F6-56B7-4DB3-50836FE420E6}"/>
+              </a:ext>
+            </a:extLst>
+          </p:cNvPr>
+          <p:cNvSpPr txBox="1"/>
+          <p:nvPr/>
+        </p:nvSpPr>
+        <p:spPr>
+          <a:xfrm>
+            <a:off x="829945" y="3648095"/>
+            <a:ext cx="2810492" cy="369332"/>
+          </a:xfrm>
+          <a:prstGeom prst="rect">
+            <a:avLst/>
+          </a:prstGeom>
+          <a:noFill/>
+        </p:spPr>
+        <p:txBody>
+          <a:bodyPr wrap="square" rtlCol="0">
+            <a:spAutoFit/>
+          </a:bodyPr>
+          <a:lstStyle/>
+          <a:p>
+            <a:r>
+              <a:rPr kumimoji="1" lang="en-US" altLang="ja-JP" dirty="0">
+                <a:latin typeface="Source Sans Pro" panose="020B0503030403020204" pitchFamily="34" charset="0"/>
+                <a:ea typeface="Source Sans Pro" panose="020B0503030403020204" pitchFamily="34" charset="0"/>
+              </a:rPr>
+              <a:t>ellipse( 50, 50, 100, 100 );</a:t>
+            </a:r>
+            <a:endParaRPr kumimoji="1" lang="ja-JP" altLang="en-US" dirty="0">
+              <a:latin typeface="Source Sans Pro" panose="020B0503030403020204" pitchFamily="34" charset="0"/>
+            </a:endParaRPr>
+          </a:p>
+        </p:txBody>
+      </p:sp>
+      <p:sp>
+        <p:nvSpPr>
+          <p:cNvPr id="37" name="左中かっこ 36">
+            <a:extLst>
+              <a:ext uri="{FF2B5EF4-FFF2-40B4-BE49-F238E27FC236}">
+                <a16:creationId xmlns:a16="http://schemas.microsoft.com/office/drawing/2014/main" id="{B9CB4ED1-1877-7C1D-A685-8C1EC1692A71}"/>
+              </a:ext>
+            </a:extLst>
+          </p:cNvPr>
+          <p:cNvSpPr/>
+          <p:nvPr/>
+        </p:nvSpPr>
+        <p:spPr>
+          <a:xfrm rot="16200000">
+            <a:off x="2309517" y="3295310"/>
+            <a:ext cx="143165" cy="1484988"/>
+          </a:xfrm>
+          <a:prstGeom prst="leftBrace">
+            <a:avLst/>
+          </a:prstGeom>
+          <a:ln>
+            <a:solidFill>
+              <a:srgbClr val="0070C0"/>
+            </a:solidFill>
+          </a:ln>
+        </p:spPr>
+        <p:style>
+          <a:lnRef idx="1">
+            <a:schemeClr val="accent1"/>
+          </a:lnRef>
+          <a:fillRef idx="0">
+            <a:schemeClr val="accent1"/>
+          </a:fillRef>
+          <a:effectRef idx="0">
+            <a:schemeClr val="accent1"/>
+          </a:effectRef>
+          <a:fontRef idx="minor">
+            <a:schemeClr val="tx1"/>
+          </a:fontRef>
+        </p:style>
+        <p:txBody>
+          <a:bodyPr rtlCol="0" anchor="ctr"/>
+          <a:lstStyle/>
+          <a:p>
+            <a:pPr algn="ctr"/>
+            <a:endParaRPr kumimoji="1" lang="ja-JP" altLang="en-US"/>
+          </a:p>
+        </p:txBody>
+      </p:sp>
+      <p:sp>
+        <p:nvSpPr>
+          <p:cNvPr id="39" name="左中かっこ 38">
+            <a:extLst>
+              <a:ext uri="{FF2B5EF4-FFF2-40B4-BE49-F238E27FC236}">
+                <a16:creationId xmlns:a16="http://schemas.microsoft.com/office/drawing/2014/main" id="{3BAC0724-13A6-B468-BAEC-06CD9DDC5AED}"/>
+              </a:ext>
+            </a:extLst>
+          </p:cNvPr>
+          <p:cNvSpPr/>
+          <p:nvPr/>
+        </p:nvSpPr>
+        <p:spPr>
+          <a:xfrm rot="16200000">
+            <a:off x="1150234" y="3737882"/>
+            <a:ext cx="143168" cy="599846"/>
+          </a:xfrm>
+          <a:prstGeom prst="leftBrace">
+            <a:avLst/>
+          </a:prstGeom>
+          <a:ln>
+            <a:solidFill>
+              <a:schemeClr val="accent1"/>
+            </a:solidFill>
+          </a:ln>
+        </p:spPr>
+        <p:style>
+          <a:lnRef idx="1">
+            <a:schemeClr val="accent1"/>
+          </a:lnRef>
+          <a:fillRef idx="0">
+            <a:schemeClr val="accent1"/>
+          </a:fillRef>
+          <a:effectRef idx="0">
+            <a:schemeClr val="accent1"/>
+          </a:effectRef>
+          <a:fontRef idx="minor">
+            <a:schemeClr val="tx1"/>
+          </a:fontRef>
+        </p:style>
+        <p:txBody>
+          <a:bodyPr rtlCol="0" anchor="ctr"/>
+          <a:lstStyle/>
+          <a:p>
+            <a:pPr algn="ctr"/>
+            <a:endParaRPr kumimoji="1" lang="ja-JP" altLang="en-US">
+              <a:solidFill>
+                <a:schemeClr val="accent1"/>
+              </a:solidFill>
+            </a:endParaRPr>
+          </a:p>
+        </p:txBody>
+      </p:sp>
+      <p:sp>
+        <p:nvSpPr>
+          <p:cNvPr id="40" name="テキスト ボックス 39">
+            <a:extLst>
+              <a:ext uri="{FF2B5EF4-FFF2-40B4-BE49-F238E27FC236}">
+                <a16:creationId xmlns:a16="http://schemas.microsoft.com/office/drawing/2014/main" id="{76E4AF1F-4B8B-7B8F-F3E9-9BD587867072}"/>
+              </a:ext>
+            </a:extLst>
+          </p:cNvPr>
+          <p:cNvSpPr txBox="1"/>
+          <p:nvPr/>
+        </p:nvSpPr>
+        <p:spPr>
+          <a:xfrm>
+            <a:off x="873676" y="4160591"/>
+            <a:ext cx="723275" cy="307777"/>
+          </a:xfrm>
+          <a:prstGeom prst="rect">
+            <a:avLst/>
+          </a:prstGeom>
+          <a:noFill/>
+        </p:spPr>
+        <p:txBody>
+          <a:bodyPr wrap="none" rtlCol="0">
+            <a:spAutoFit/>
+          </a:bodyPr>
+          <a:lstStyle/>
+          <a:p>
+            <a:r>
+              <a:rPr kumimoji="1" lang="ja-JP" altLang="en-US" sz="1400" dirty="0">
+                <a:solidFill>
+                  <a:schemeClr val="accent1"/>
+                </a:solidFill>
+              </a:rPr>
+              <a:t>関数名</a:t>
+            </a:r>
+          </a:p>
+        </p:txBody>
+      </p:sp>
+      <p:sp>
+        <p:nvSpPr>
+          <p:cNvPr id="41" name="テキスト ボックス 40">
+            <a:extLst>
+              <a:ext uri="{FF2B5EF4-FFF2-40B4-BE49-F238E27FC236}">
+                <a16:creationId xmlns:a16="http://schemas.microsoft.com/office/drawing/2014/main" id="{27477918-CA2D-C396-F3E4-24AA54806C51}"/>
+              </a:ext>
+            </a:extLst>
+          </p:cNvPr>
+          <p:cNvSpPr txBox="1"/>
+          <p:nvPr/>
+        </p:nvSpPr>
+        <p:spPr>
+          <a:xfrm>
+            <a:off x="2135094" y="4163323"/>
+            <a:ext cx="543739" cy="307777"/>
+          </a:xfrm>
+          <a:prstGeom prst="rect">
+            <a:avLst/>
+          </a:prstGeom>
+          <a:noFill/>
+        </p:spPr>
+        <p:txBody>
+          <a:bodyPr wrap="none" rtlCol="0">
+            <a:spAutoFit/>
+          </a:bodyPr>
+          <a:lstStyle/>
+          <a:p>
+            <a:r>
+              <a:rPr kumimoji="1" lang="ja-JP" altLang="en-US" sz="1400" dirty="0">
+                <a:solidFill>
+                  <a:srgbClr val="0070C0"/>
+                </a:solidFill>
+              </a:rPr>
+              <a:t>引数</a:t>
+            </a:r>
           </a:p>
         </p:txBody>
       </p:sp>
     </p:spTree>
     <p:extLst>
       <p:ext uri="{BB962C8B-B14F-4D97-AF65-F5344CB8AC3E}">
-        <p14:creationId xmlns:p14="http://schemas.microsoft.com/office/powerpoint/2010/main" val="2375072847"/>
+        <p14:creationId xmlns:p14="http://schemas.microsoft.com/office/powerpoint/2010/main" val="2798169097"/>
       </p:ext>
     </p:extLst>
   </p:cSld>
@@ -3456,6 +3147,1000 @@
         </p:nvSpPr>
         <p:spPr>
           <a:xfrm>
+            <a:off x="829945" y="2033926"/>
+            <a:ext cx="2549678" cy="369332"/>
+          </a:xfrm>
+          <a:prstGeom prst="rect">
+            <a:avLst/>
+          </a:prstGeom>
+          <a:noFill/>
+        </p:spPr>
+        <p:txBody>
+          <a:bodyPr wrap="square" rtlCol="0">
+            <a:spAutoFit/>
+          </a:bodyPr>
+          <a:lstStyle/>
+          <a:p>
+            <a:r>
+              <a:rPr kumimoji="1" lang="en-US" altLang="ja-JP" dirty="0"/>
+              <a:t>float fX = random( 500 );</a:t>
+            </a:r>
+            <a:endParaRPr kumimoji="1" lang="ja-JP" altLang="en-US" dirty="0"/>
+          </a:p>
+        </p:txBody>
+      </p:sp>
+      <p:sp>
+        <p:nvSpPr>
+          <p:cNvPr id="11" name="テキスト ボックス 10">
+            <a:extLst>
+              <a:ext uri="{FF2B5EF4-FFF2-40B4-BE49-F238E27FC236}">
+                <a16:creationId xmlns:a16="http://schemas.microsoft.com/office/drawing/2014/main" id="{4C8E5ACB-B75A-4CD3-BB41-43EE8BECC1F5}"/>
+              </a:ext>
+            </a:extLst>
+          </p:cNvPr>
+          <p:cNvSpPr txBox="1"/>
+          <p:nvPr/>
+        </p:nvSpPr>
+        <p:spPr>
+          <a:xfrm>
+            <a:off x="3640437" y="2041241"/>
+            <a:ext cx="3879588" cy="2862322"/>
+          </a:xfrm>
+          <a:prstGeom prst="rect">
+            <a:avLst/>
+          </a:prstGeom>
+          <a:noFill/>
+          <a:ln>
+            <a:solidFill>
+              <a:srgbClr val="0070C0"/>
+            </a:solidFill>
+          </a:ln>
+        </p:spPr>
+        <p:txBody>
+          <a:bodyPr wrap="none" rtlCol="0">
+            <a:spAutoFit/>
+          </a:bodyPr>
+          <a:lstStyle/>
+          <a:p>
+            <a:endParaRPr kumimoji="1" lang="en-US" altLang="ja-JP" dirty="0">
+              <a:solidFill>
+                <a:srgbClr val="008080"/>
+              </a:solidFill>
+            </a:endParaRPr>
+          </a:p>
+          <a:p>
+            <a:endParaRPr lang="en-US" altLang="ja-JP" dirty="0">
+              <a:solidFill>
+                <a:srgbClr val="008080"/>
+              </a:solidFill>
+            </a:endParaRPr>
+          </a:p>
+          <a:p>
+            <a:r>
+              <a:rPr kumimoji="1" lang="en-US" altLang="ja-JP" dirty="0">
+                <a:solidFill>
+                  <a:srgbClr val="008080"/>
+                </a:solidFill>
+              </a:rPr>
+              <a:t>float</a:t>
+            </a:r>
+            <a:r>
+              <a:rPr kumimoji="1" lang="en-US" altLang="ja-JP" dirty="0"/>
+              <a:t> </a:t>
+            </a:r>
+            <a:r>
+              <a:rPr kumimoji="1" lang="en-US" altLang="ja-JP" dirty="0">
+                <a:solidFill>
+                  <a:schemeClr val="accent1">
+                    <a:lumMod val="75000"/>
+                  </a:schemeClr>
+                </a:solidFill>
+              </a:rPr>
+              <a:t>random</a:t>
+            </a:r>
+            <a:r>
+              <a:rPr kumimoji="1" lang="en-US" altLang="ja-JP" dirty="0"/>
+              <a:t>( </a:t>
+            </a:r>
+            <a:r>
+              <a:rPr kumimoji="1" lang="ja-JP" altLang="en-US" dirty="0"/>
+              <a:t>引数</a:t>
+            </a:r>
+            <a:r>
+              <a:rPr kumimoji="1" lang="en-US" altLang="ja-JP" dirty="0"/>
+              <a:t> )</a:t>
+            </a:r>
+          </a:p>
+          <a:p>
+            <a:r>
+              <a:rPr lang="en-US" altLang="ja-JP" dirty="0"/>
+              <a:t>{</a:t>
+            </a:r>
+          </a:p>
+          <a:p>
+            <a:r>
+              <a:rPr lang="en-US" altLang="ja-JP" dirty="0"/>
+              <a:t>    </a:t>
+            </a:r>
+            <a:r>
+              <a:rPr lang="en-US" altLang="ja-JP" dirty="0">
+                <a:solidFill>
+                  <a:schemeClr val="accent2">
+                    <a:lumMod val="50000"/>
+                  </a:schemeClr>
+                </a:solidFill>
+              </a:rPr>
+              <a:t>/**</a:t>
+            </a:r>
+          </a:p>
+          <a:p>
+            <a:r>
+              <a:rPr lang="ja-JP" altLang="en-US" dirty="0">
+                <a:solidFill>
+                  <a:schemeClr val="accent2">
+                    <a:lumMod val="50000"/>
+                  </a:schemeClr>
+                </a:solidFill>
+              </a:rPr>
+              <a:t>        ランダムな値を求める計算</a:t>
+            </a:r>
+            <a:endParaRPr lang="en-US" altLang="ja-JP" dirty="0">
+              <a:solidFill>
+                <a:schemeClr val="accent2">
+                  <a:lumMod val="50000"/>
+                </a:schemeClr>
+              </a:solidFill>
+            </a:endParaRPr>
+          </a:p>
+          <a:p>
+            <a:r>
+              <a:rPr lang="en-US" altLang="ja-JP" dirty="0">
+                <a:solidFill>
+                  <a:schemeClr val="accent2">
+                    <a:lumMod val="50000"/>
+                  </a:schemeClr>
+                </a:solidFill>
+              </a:rPr>
+              <a:t>   */</a:t>
+            </a:r>
+          </a:p>
+          <a:p>
+            <a:endParaRPr lang="en-US" altLang="ja-JP" dirty="0"/>
+          </a:p>
+          <a:p>
+            <a:r>
+              <a:rPr lang="en-US" altLang="ja-JP" dirty="0"/>
+              <a:t>    </a:t>
+            </a:r>
+            <a:r>
+              <a:rPr lang="en-US" altLang="ja-JP" dirty="0">
+                <a:solidFill>
+                  <a:srgbClr val="C00000"/>
+                </a:solidFill>
+              </a:rPr>
+              <a:t>return</a:t>
+            </a:r>
+            <a:r>
+              <a:rPr lang="en-US" altLang="ja-JP" dirty="0"/>
+              <a:t> </a:t>
+            </a:r>
+            <a:r>
+              <a:rPr lang="ja-JP" altLang="en-US" dirty="0"/>
+              <a:t>返り値</a:t>
+            </a:r>
+            <a:r>
+              <a:rPr lang="en-US" altLang="ja-JP" dirty="0"/>
+              <a:t>;	</a:t>
+            </a:r>
+            <a:r>
+              <a:rPr lang="en-US" altLang="ja-JP" dirty="0">
+                <a:solidFill>
+                  <a:schemeClr val="accent2">
+                    <a:lumMod val="50000"/>
+                  </a:schemeClr>
+                </a:solidFill>
+              </a:rPr>
+              <a:t>// </a:t>
+            </a:r>
+            <a:r>
+              <a:rPr lang="ja-JP" altLang="en-US" dirty="0">
+                <a:solidFill>
+                  <a:schemeClr val="accent2">
+                    <a:lumMod val="50000"/>
+                  </a:schemeClr>
+                </a:solidFill>
+              </a:rPr>
+              <a:t>計算結果を返す</a:t>
+            </a:r>
+            <a:endParaRPr lang="en-US" altLang="ja-JP" dirty="0">
+              <a:solidFill>
+                <a:schemeClr val="accent2">
+                  <a:lumMod val="50000"/>
+                </a:schemeClr>
+              </a:solidFill>
+            </a:endParaRPr>
+          </a:p>
+          <a:p>
+            <a:r>
+              <a:rPr lang="en-US" altLang="ja-JP" dirty="0"/>
+              <a:t>}</a:t>
+            </a:r>
+            <a:endParaRPr kumimoji="1" lang="ja-JP" altLang="en-US" dirty="0"/>
+          </a:p>
+        </p:txBody>
+      </p:sp>
+      <p:sp>
+        <p:nvSpPr>
+          <p:cNvPr id="12" name="テキスト ボックス 11">
+            <a:extLst>
+              <a:ext uri="{FF2B5EF4-FFF2-40B4-BE49-F238E27FC236}">
+                <a16:creationId xmlns:a16="http://schemas.microsoft.com/office/drawing/2014/main" id="{6B731BD5-DFF0-4BAC-B9C0-61FA39252882}"/>
+              </a:ext>
+            </a:extLst>
+          </p:cNvPr>
+          <p:cNvSpPr txBox="1"/>
+          <p:nvPr/>
+        </p:nvSpPr>
+        <p:spPr>
+          <a:xfrm>
+            <a:off x="3672231" y="2070931"/>
+            <a:ext cx="1210588" cy="338554"/>
+          </a:xfrm>
+          <a:prstGeom prst="rect">
+            <a:avLst/>
+          </a:prstGeom>
+          <a:noFill/>
+          <a:ln>
+            <a:solidFill>
+              <a:schemeClr val="accent1"/>
+            </a:solidFill>
+          </a:ln>
+        </p:spPr>
+        <p:txBody>
+          <a:bodyPr wrap="none" rtlCol="0">
+            <a:spAutoFit/>
+          </a:bodyPr>
+          <a:lstStyle/>
+          <a:p>
+            <a:r>
+              <a:rPr kumimoji="1" lang="ja-JP" altLang="en-US" sz="1600" dirty="0">
+                <a:solidFill>
+                  <a:schemeClr val="accent1">
+                    <a:lumMod val="75000"/>
+                  </a:schemeClr>
+                </a:solidFill>
+              </a:rPr>
+              <a:t>関数の中身</a:t>
+            </a:r>
+          </a:p>
+        </p:txBody>
+      </p:sp>
+      <p:sp>
+        <p:nvSpPr>
+          <p:cNvPr id="19" name="円弧 18">
+            <a:extLst>
+              <a:ext uri="{FF2B5EF4-FFF2-40B4-BE49-F238E27FC236}">
+                <a16:creationId xmlns:a16="http://schemas.microsoft.com/office/drawing/2014/main" id="{43D9E65C-85C9-4A26-A211-7B5C19BC1B25}"/>
+              </a:ext>
+            </a:extLst>
+          </p:cNvPr>
+          <p:cNvSpPr/>
+          <p:nvPr/>
+        </p:nvSpPr>
+        <p:spPr>
+          <a:xfrm rot="20442282">
+            <a:off x="2640469" y="1537401"/>
+            <a:ext cx="2721894" cy="2984503"/>
+          </a:xfrm>
+          <a:prstGeom prst="arc">
+            <a:avLst>
+              <a:gd name="adj1" fmla="val 14402364"/>
+              <a:gd name="adj2" fmla="val 21475249"/>
+            </a:avLst>
+          </a:prstGeom>
+          <a:ln w="9525">
+            <a:solidFill>
+              <a:srgbClr val="FF0000"/>
+            </a:solidFill>
+            <a:headEnd type="none" w="med" len="med"/>
+            <a:tailEnd type="arrow" w="med" len="med"/>
+          </a:ln>
+        </p:spPr>
+        <p:style>
+          <a:lnRef idx="1">
+            <a:schemeClr val="accent1"/>
+          </a:lnRef>
+          <a:fillRef idx="0">
+            <a:schemeClr val="accent1"/>
+          </a:fillRef>
+          <a:effectRef idx="0">
+            <a:schemeClr val="accent1"/>
+          </a:effectRef>
+          <a:fontRef idx="minor">
+            <a:schemeClr val="tx1"/>
+          </a:fontRef>
+        </p:style>
+        <p:txBody>
+          <a:bodyPr rtlCol="0" anchor="ctr"/>
+          <a:lstStyle/>
+          <a:p>
+            <a:pPr algn="ctr"/>
+            <a:endParaRPr kumimoji="1" lang="ja-JP" altLang="en-US"/>
+          </a:p>
+        </p:txBody>
+      </p:sp>
+      <p:sp>
+        <p:nvSpPr>
+          <p:cNvPr id="21" name="楕円 20">
+            <a:extLst>
+              <a:ext uri="{FF2B5EF4-FFF2-40B4-BE49-F238E27FC236}">
+                <a16:creationId xmlns:a16="http://schemas.microsoft.com/office/drawing/2014/main" id="{77D1352B-8A34-4CF6-B0E4-7AFCD980B812}"/>
+              </a:ext>
+            </a:extLst>
+          </p:cNvPr>
+          <p:cNvSpPr/>
+          <p:nvPr/>
+        </p:nvSpPr>
+        <p:spPr>
+          <a:xfrm>
+            <a:off x="5045001" y="2546423"/>
+            <a:ext cx="513285" cy="431227"/>
+          </a:xfrm>
+          <a:prstGeom prst="ellipse">
+            <a:avLst/>
+          </a:prstGeom>
+          <a:noFill/>
+          <a:ln>
+            <a:solidFill>
+              <a:srgbClr val="FF0000"/>
+            </a:solidFill>
+          </a:ln>
+        </p:spPr>
+        <p:style>
+          <a:lnRef idx="2">
+            <a:schemeClr val="accent1">
+              <a:shade val="50000"/>
+            </a:schemeClr>
+          </a:lnRef>
+          <a:fillRef idx="1">
+            <a:schemeClr val="accent1"/>
+          </a:fillRef>
+          <a:effectRef idx="0">
+            <a:schemeClr val="accent1"/>
+          </a:effectRef>
+          <a:fontRef idx="minor">
+            <a:schemeClr val="lt1"/>
+          </a:fontRef>
+        </p:style>
+        <p:txBody>
+          <a:bodyPr rtlCol="0" anchor="ctr"/>
+          <a:lstStyle/>
+          <a:p>
+            <a:pPr algn="ctr"/>
+            <a:endParaRPr kumimoji="1" lang="ja-JP" altLang="en-US"/>
+          </a:p>
+        </p:txBody>
+      </p:sp>
+      <p:sp>
+        <p:nvSpPr>
+          <p:cNvPr id="22" name="テキスト ボックス 21">
+            <a:extLst>
+              <a:ext uri="{FF2B5EF4-FFF2-40B4-BE49-F238E27FC236}">
+                <a16:creationId xmlns:a16="http://schemas.microsoft.com/office/drawing/2014/main" id="{74895D4D-54A0-459C-9A44-FF1C8596B05A}"/>
+              </a:ext>
+            </a:extLst>
+          </p:cNvPr>
+          <p:cNvSpPr txBox="1"/>
+          <p:nvPr/>
+        </p:nvSpPr>
+        <p:spPr>
+          <a:xfrm>
+            <a:off x="2223820" y="1236232"/>
+            <a:ext cx="1976823" cy="307777"/>
+          </a:xfrm>
+          <a:prstGeom prst="rect">
+            <a:avLst/>
+          </a:prstGeom>
+          <a:noFill/>
+        </p:spPr>
+        <p:txBody>
+          <a:bodyPr wrap="none" rtlCol="0">
+            <a:spAutoFit/>
+          </a:bodyPr>
+          <a:lstStyle/>
+          <a:p>
+            <a:r>
+              <a:rPr kumimoji="1" lang="en-US" altLang="ja-JP" sz="1400" dirty="0">
+                <a:solidFill>
+                  <a:srgbClr val="FF0000"/>
+                </a:solidFill>
+              </a:rPr>
+              <a:t>1. </a:t>
+            </a:r>
+            <a:r>
+              <a:rPr kumimoji="1" lang="ja-JP" altLang="en-US" sz="1400" dirty="0">
+                <a:solidFill>
+                  <a:srgbClr val="FF0000"/>
+                </a:solidFill>
+              </a:rPr>
+              <a:t>関数に引数を渡す．</a:t>
+            </a:r>
+          </a:p>
+        </p:txBody>
+      </p:sp>
+      <p:sp>
+        <p:nvSpPr>
+          <p:cNvPr id="23" name="テキスト ボックス 22">
+            <a:extLst>
+              <a:ext uri="{FF2B5EF4-FFF2-40B4-BE49-F238E27FC236}">
+                <a16:creationId xmlns:a16="http://schemas.microsoft.com/office/drawing/2014/main" id="{59704BF6-00E1-4DF2-941A-CA20D9CC6388}"/>
+              </a:ext>
+            </a:extLst>
+          </p:cNvPr>
+          <p:cNvSpPr txBox="1"/>
+          <p:nvPr/>
+        </p:nvSpPr>
+        <p:spPr>
+          <a:xfrm>
+            <a:off x="5454048" y="2993424"/>
+            <a:ext cx="1912355" cy="307777"/>
+          </a:xfrm>
+          <a:prstGeom prst="rect">
+            <a:avLst/>
+          </a:prstGeom>
+          <a:noFill/>
+        </p:spPr>
+        <p:txBody>
+          <a:bodyPr wrap="square" rtlCol="0">
+            <a:spAutoFit/>
+          </a:bodyPr>
+          <a:lstStyle/>
+          <a:p>
+            <a:r>
+              <a:rPr lang="en-US" altLang="ja-JP" sz="1400" dirty="0">
+                <a:solidFill>
+                  <a:srgbClr val="FF0000"/>
+                </a:solidFill>
+              </a:rPr>
+              <a:t>2</a:t>
+            </a:r>
+            <a:r>
+              <a:rPr kumimoji="1" lang="en-US" altLang="ja-JP" sz="1400" dirty="0">
+                <a:solidFill>
+                  <a:srgbClr val="FF0000"/>
+                </a:solidFill>
+              </a:rPr>
+              <a:t>. </a:t>
+            </a:r>
+            <a:r>
+              <a:rPr kumimoji="1" lang="ja-JP" altLang="en-US" sz="1400" dirty="0">
+                <a:solidFill>
+                  <a:srgbClr val="FF0000"/>
+                </a:solidFill>
+              </a:rPr>
+              <a:t>引数を元に</a:t>
+            </a:r>
+            <a:r>
+              <a:rPr lang="ja-JP" altLang="en-US" sz="1400" dirty="0">
+                <a:solidFill>
+                  <a:srgbClr val="FF0000"/>
+                </a:solidFill>
+              </a:rPr>
+              <a:t>計算</a:t>
+            </a:r>
+            <a:endParaRPr kumimoji="1" lang="ja-JP" altLang="en-US" sz="1400" dirty="0">
+              <a:solidFill>
+                <a:srgbClr val="FF0000"/>
+              </a:solidFill>
+            </a:endParaRPr>
+          </a:p>
+        </p:txBody>
+      </p:sp>
+      <p:cxnSp>
+        <p:nvCxnSpPr>
+          <p:cNvPr id="25" name="直線矢印コネクタ 24">
+            <a:extLst>
+              <a:ext uri="{FF2B5EF4-FFF2-40B4-BE49-F238E27FC236}">
+                <a16:creationId xmlns:a16="http://schemas.microsoft.com/office/drawing/2014/main" id="{87346951-B73E-44F0-846D-B46957E8785F}"/>
+              </a:ext>
+            </a:extLst>
+          </p:cNvPr>
+          <p:cNvCxnSpPr>
+            <a:cxnSpLocks/>
+          </p:cNvCxnSpPr>
+          <p:nvPr/>
+        </p:nvCxnSpPr>
+        <p:spPr>
+          <a:xfrm>
+            <a:off x="5439417" y="2993424"/>
+            <a:ext cx="0" cy="1242425"/>
+          </a:xfrm>
+          <a:prstGeom prst="straightConnector1">
+            <a:avLst/>
+          </a:prstGeom>
+          <a:ln w="9525">
+            <a:solidFill>
+              <a:srgbClr val="FF0000"/>
+            </a:solidFill>
+            <a:tailEnd type="triangle"/>
+          </a:ln>
+        </p:spPr>
+        <p:style>
+          <a:lnRef idx="1">
+            <a:schemeClr val="accent1"/>
+          </a:lnRef>
+          <a:fillRef idx="0">
+            <a:schemeClr val="accent1"/>
+          </a:fillRef>
+          <a:effectRef idx="0">
+            <a:schemeClr val="accent1"/>
+          </a:effectRef>
+          <a:fontRef idx="minor">
+            <a:schemeClr val="tx1"/>
+          </a:fontRef>
+        </p:style>
+      </p:cxnSp>
+      <p:sp>
+        <p:nvSpPr>
+          <p:cNvPr id="27" name="円弧 26">
+            <a:extLst>
+              <a:ext uri="{FF2B5EF4-FFF2-40B4-BE49-F238E27FC236}">
+                <a16:creationId xmlns:a16="http://schemas.microsoft.com/office/drawing/2014/main" id="{78198766-54A5-4759-9EE8-91F56EBA8D39}"/>
+              </a:ext>
+            </a:extLst>
+          </p:cNvPr>
+          <p:cNvSpPr/>
+          <p:nvPr/>
+        </p:nvSpPr>
+        <p:spPr>
+          <a:xfrm rot="11211622">
+            <a:off x="2366388" y="-140024"/>
+            <a:ext cx="3268242" cy="5266071"/>
+          </a:xfrm>
+          <a:prstGeom prst="arc">
+            <a:avLst>
+              <a:gd name="adj1" fmla="val 14438737"/>
+              <a:gd name="adj2" fmla="val 19534286"/>
+            </a:avLst>
+          </a:prstGeom>
+          <a:ln w="9525">
+            <a:solidFill>
+              <a:srgbClr val="FF0000"/>
+            </a:solidFill>
+            <a:headEnd type="none" w="med" len="med"/>
+            <a:tailEnd type="arrow" w="med" len="med"/>
+          </a:ln>
+        </p:spPr>
+        <p:style>
+          <a:lnRef idx="1">
+            <a:schemeClr val="accent1"/>
+          </a:lnRef>
+          <a:fillRef idx="0">
+            <a:schemeClr val="accent1"/>
+          </a:fillRef>
+          <a:effectRef idx="0">
+            <a:schemeClr val="accent1"/>
+          </a:effectRef>
+          <a:fontRef idx="minor">
+            <a:schemeClr val="tx1"/>
+          </a:fontRef>
+        </p:style>
+        <p:txBody>
+          <a:bodyPr rtlCol="0" anchor="ctr"/>
+          <a:lstStyle/>
+          <a:p>
+            <a:pPr algn="ctr"/>
+            <a:endParaRPr kumimoji="1" lang="ja-JP" altLang="en-US"/>
+          </a:p>
+        </p:txBody>
+      </p:sp>
+      <p:sp>
+        <p:nvSpPr>
+          <p:cNvPr id="28" name="テキスト ボックス 27">
+            <a:extLst>
+              <a:ext uri="{FF2B5EF4-FFF2-40B4-BE49-F238E27FC236}">
+                <a16:creationId xmlns:a16="http://schemas.microsoft.com/office/drawing/2014/main" id="{777A0056-423A-42A6-A835-A88992C54F55}"/>
+              </a:ext>
+            </a:extLst>
+          </p:cNvPr>
+          <p:cNvSpPr txBox="1"/>
+          <p:nvPr/>
+        </p:nvSpPr>
+        <p:spPr>
+          <a:xfrm>
+            <a:off x="3886439" y="5100968"/>
+            <a:ext cx="3105955" cy="307777"/>
+          </a:xfrm>
+          <a:prstGeom prst="rect">
+            <a:avLst/>
+          </a:prstGeom>
+          <a:noFill/>
+        </p:spPr>
+        <p:txBody>
+          <a:bodyPr wrap="square" rtlCol="0">
+            <a:spAutoFit/>
+          </a:bodyPr>
+          <a:lstStyle/>
+          <a:p>
+            <a:r>
+              <a:rPr kumimoji="1" lang="en-US" altLang="ja-JP" sz="1400" dirty="0">
+                <a:solidFill>
+                  <a:srgbClr val="FF0000"/>
+                </a:solidFill>
+              </a:rPr>
+              <a:t>3. </a:t>
+            </a:r>
+            <a:r>
+              <a:rPr lang="ja-JP" altLang="en-US" sz="1400" dirty="0">
+                <a:solidFill>
+                  <a:srgbClr val="FF0000"/>
+                </a:solidFill>
+              </a:rPr>
+              <a:t>計算結果を関数呼び出し元に返す．</a:t>
+            </a:r>
+            <a:endParaRPr kumimoji="1" lang="en-US" altLang="ja-JP" sz="1400" dirty="0">
+              <a:solidFill>
+                <a:srgbClr val="FF0000"/>
+              </a:solidFill>
+            </a:endParaRPr>
+          </a:p>
+        </p:txBody>
+      </p:sp>
+      <p:sp>
+        <p:nvSpPr>
+          <p:cNvPr id="29" name="左中かっこ 28">
+            <a:extLst>
+              <a:ext uri="{FF2B5EF4-FFF2-40B4-BE49-F238E27FC236}">
+                <a16:creationId xmlns:a16="http://schemas.microsoft.com/office/drawing/2014/main" id="{2A77E5A4-D883-47D0-A18D-1BC89F5A4CE6}"/>
+              </a:ext>
+            </a:extLst>
+          </p:cNvPr>
+          <p:cNvSpPr/>
+          <p:nvPr/>
+        </p:nvSpPr>
+        <p:spPr>
+          <a:xfrm rot="16200000">
+            <a:off x="2769002" y="2221390"/>
+            <a:ext cx="143165" cy="404490"/>
+          </a:xfrm>
+          <a:prstGeom prst="leftBrace">
+            <a:avLst/>
+          </a:prstGeom>
+          <a:ln>
+            <a:solidFill>
+              <a:srgbClr val="FF9900"/>
+            </a:solidFill>
+          </a:ln>
+        </p:spPr>
+        <p:style>
+          <a:lnRef idx="1">
+            <a:schemeClr val="accent1"/>
+          </a:lnRef>
+          <a:fillRef idx="0">
+            <a:schemeClr val="accent1"/>
+          </a:fillRef>
+          <a:effectRef idx="0">
+            <a:schemeClr val="accent1"/>
+          </a:effectRef>
+          <a:fontRef idx="minor">
+            <a:schemeClr val="tx1"/>
+          </a:fontRef>
+        </p:style>
+        <p:txBody>
+          <a:bodyPr rtlCol="0" anchor="ctr"/>
+          <a:lstStyle/>
+          <a:p>
+            <a:pPr algn="ctr"/>
+            <a:endParaRPr kumimoji="1" lang="ja-JP" altLang="en-US"/>
+          </a:p>
+        </p:txBody>
+      </p:sp>
+      <p:sp>
+        <p:nvSpPr>
+          <p:cNvPr id="30" name="テキスト ボックス 29">
+            <a:extLst>
+              <a:ext uri="{FF2B5EF4-FFF2-40B4-BE49-F238E27FC236}">
+                <a16:creationId xmlns:a16="http://schemas.microsoft.com/office/drawing/2014/main" id="{EAFF22C1-3145-40E6-8C17-4701837355E7}"/>
+              </a:ext>
+            </a:extLst>
+          </p:cNvPr>
+          <p:cNvSpPr txBox="1"/>
+          <p:nvPr/>
+        </p:nvSpPr>
+        <p:spPr>
+          <a:xfrm>
+            <a:off x="2592057" y="2546422"/>
+            <a:ext cx="543739" cy="307777"/>
+          </a:xfrm>
+          <a:prstGeom prst="rect">
+            <a:avLst/>
+          </a:prstGeom>
+          <a:noFill/>
+        </p:spPr>
+        <p:txBody>
+          <a:bodyPr wrap="none" rtlCol="0">
+            <a:spAutoFit/>
+          </a:bodyPr>
+          <a:lstStyle/>
+          <a:p>
+            <a:r>
+              <a:rPr kumimoji="1" lang="ja-JP" altLang="en-US" sz="1400" dirty="0">
+                <a:solidFill>
+                  <a:srgbClr val="FF9900"/>
+                </a:solidFill>
+              </a:rPr>
+              <a:t>引数</a:t>
+            </a:r>
+          </a:p>
+        </p:txBody>
+      </p:sp>
+      <p:sp>
+        <p:nvSpPr>
+          <p:cNvPr id="31" name="左中かっこ 30">
+            <a:extLst>
+              <a:ext uri="{FF2B5EF4-FFF2-40B4-BE49-F238E27FC236}">
+                <a16:creationId xmlns:a16="http://schemas.microsoft.com/office/drawing/2014/main" id="{903F71E1-4DE5-467A-B540-7A851AED4D7C}"/>
+              </a:ext>
+            </a:extLst>
+          </p:cNvPr>
+          <p:cNvSpPr/>
+          <p:nvPr/>
+        </p:nvSpPr>
+        <p:spPr>
+          <a:xfrm rot="16200000">
+            <a:off x="2102390" y="2064670"/>
+            <a:ext cx="143166" cy="697178"/>
+          </a:xfrm>
+          <a:prstGeom prst="leftBrace">
+            <a:avLst/>
+          </a:prstGeom>
+          <a:ln>
+            <a:solidFill>
+              <a:schemeClr val="accent1"/>
+            </a:solidFill>
+          </a:ln>
+        </p:spPr>
+        <p:style>
+          <a:lnRef idx="1">
+            <a:schemeClr val="accent1"/>
+          </a:lnRef>
+          <a:fillRef idx="0">
+            <a:schemeClr val="accent1"/>
+          </a:fillRef>
+          <a:effectRef idx="0">
+            <a:schemeClr val="accent1"/>
+          </a:effectRef>
+          <a:fontRef idx="minor">
+            <a:schemeClr val="tx1"/>
+          </a:fontRef>
+        </p:style>
+        <p:txBody>
+          <a:bodyPr rtlCol="0" anchor="ctr"/>
+          <a:lstStyle/>
+          <a:p>
+            <a:pPr algn="ctr"/>
+            <a:endParaRPr kumimoji="1" lang="ja-JP" altLang="en-US">
+              <a:solidFill>
+                <a:schemeClr val="accent1"/>
+              </a:solidFill>
+            </a:endParaRPr>
+          </a:p>
+        </p:txBody>
+      </p:sp>
+      <p:sp>
+        <p:nvSpPr>
+          <p:cNvPr id="32" name="テキスト ボックス 31">
+            <a:extLst>
+              <a:ext uri="{FF2B5EF4-FFF2-40B4-BE49-F238E27FC236}">
+                <a16:creationId xmlns:a16="http://schemas.microsoft.com/office/drawing/2014/main" id="{FCFF6794-C9A5-41DE-9110-188BF1563A6B}"/>
+              </a:ext>
+            </a:extLst>
+          </p:cNvPr>
+          <p:cNvSpPr txBox="1"/>
+          <p:nvPr/>
+        </p:nvSpPr>
+        <p:spPr>
+          <a:xfrm>
+            <a:off x="1799287" y="2536046"/>
+            <a:ext cx="723275" cy="307777"/>
+          </a:xfrm>
+          <a:prstGeom prst="rect">
+            <a:avLst/>
+          </a:prstGeom>
+          <a:noFill/>
+        </p:spPr>
+        <p:txBody>
+          <a:bodyPr wrap="none" rtlCol="0">
+            <a:spAutoFit/>
+          </a:bodyPr>
+          <a:lstStyle/>
+          <a:p>
+            <a:r>
+              <a:rPr kumimoji="1" lang="ja-JP" altLang="en-US" sz="1400" dirty="0">
+                <a:solidFill>
+                  <a:schemeClr val="accent1"/>
+                </a:solidFill>
+              </a:rPr>
+              <a:t>関数名</a:t>
+            </a:r>
+          </a:p>
+        </p:txBody>
+      </p:sp>
+      <p:sp>
+        <p:nvSpPr>
+          <p:cNvPr id="33" name="テキスト ボックス 32">
+            <a:extLst>
+              <a:ext uri="{FF2B5EF4-FFF2-40B4-BE49-F238E27FC236}">
+                <a16:creationId xmlns:a16="http://schemas.microsoft.com/office/drawing/2014/main" id="{92823F53-63C2-4AF3-ADF4-AD1F01E59A5E}"/>
+              </a:ext>
+            </a:extLst>
+          </p:cNvPr>
+          <p:cNvSpPr txBox="1"/>
+          <p:nvPr/>
+        </p:nvSpPr>
+        <p:spPr>
+          <a:xfrm>
+            <a:off x="825570" y="3024113"/>
+            <a:ext cx="2326230" cy="307777"/>
+          </a:xfrm>
+          <a:prstGeom prst="rect">
+            <a:avLst/>
+          </a:prstGeom>
+          <a:noFill/>
+        </p:spPr>
+        <p:txBody>
+          <a:bodyPr wrap="square" rtlCol="0">
+            <a:spAutoFit/>
+          </a:bodyPr>
+          <a:lstStyle/>
+          <a:p>
+            <a:r>
+              <a:rPr kumimoji="1" lang="en-US" altLang="ja-JP" sz="1400" dirty="0">
+                <a:solidFill>
+                  <a:srgbClr val="FF0000"/>
+                </a:solidFill>
+              </a:rPr>
+              <a:t>4. </a:t>
+            </a:r>
+            <a:r>
+              <a:rPr kumimoji="1" lang="ja-JP" altLang="en-US" sz="1400" dirty="0">
+                <a:solidFill>
+                  <a:srgbClr val="FF0000"/>
+                </a:solidFill>
+              </a:rPr>
+              <a:t>変数に返り値を代入する．</a:t>
+            </a:r>
+            <a:endParaRPr kumimoji="1" lang="en-US" altLang="ja-JP" sz="1400" dirty="0">
+              <a:solidFill>
+                <a:srgbClr val="FF0000"/>
+              </a:solidFill>
+            </a:endParaRPr>
+          </a:p>
+        </p:txBody>
+      </p:sp>
+      <p:sp>
+        <p:nvSpPr>
+          <p:cNvPr id="34" name="円弧 33">
+            <a:extLst>
+              <a:ext uri="{FF2B5EF4-FFF2-40B4-BE49-F238E27FC236}">
+                <a16:creationId xmlns:a16="http://schemas.microsoft.com/office/drawing/2014/main" id="{F5074C1E-04CA-4ED0-AC5E-723498AF134E}"/>
+              </a:ext>
+            </a:extLst>
+          </p:cNvPr>
+          <p:cNvSpPr/>
+          <p:nvPr/>
+        </p:nvSpPr>
+        <p:spPr>
+          <a:xfrm rot="11211622">
+            <a:off x="1423339" y="-513254"/>
+            <a:ext cx="3268242" cy="4114526"/>
+          </a:xfrm>
+          <a:prstGeom prst="arc">
+            <a:avLst>
+              <a:gd name="adj1" fmla="val 18051231"/>
+              <a:gd name="adj2" fmla="val 19534286"/>
+            </a:avLst>
+          </a:prstGeom>
+          <a:ln w="9525">
+            <a:solidFill>
+              <a:srgbClr val="FF0000"/>
+            </a:solidFill>
+            <a:headEnd type="none" w="med" len="med"/>
+            <a:tailEnd type="arrow" w="med" len="med"/>
+          </a:ln>
+        </p:spPr>
+        <p:style>
+          <a:lnRef idx="1">
+            <a:schemeClr val="accent1"/>
+          </a:lnRef>
+          <a:fillRef idx="0">
+            <a:schemeClr val="accent1"/>
+          </a:fillRef>
+          <a:effectRef idx="0">
+            <a:schemeClr val="accent1"/>
+          </a:effectRef>
+          <a:fontRef idx="minor">
+            <a:schemeClr val="tx1"/>
+          </a:fontRef>
+        </p:style>
+        <p:txBody>
+          <a:bodyPr rtlCol="0" anchor="ctr"/>
+          <a:lstStyle/>
+          <a:p>
+            <a:pPr algn="ctr"/>
+            <a:endParaRPr kumimoji="1" lang="ja-JP" altLang="en-US"/>
+          </a:p>
+        </p:txBody>
+      </p:sp>
+    </p:spTree>
+    <p:extLst>
+      <p:ext uri="{BB962C8B-B14F-4D97-AF65-F5344CB8AC3E}">
+        <p14:creationId xmlns:p14="http://schemas.microsoft.com/office/powerpoint/2010/main" val="2375072847"/>
+      </p:ext>
+    </p:extLst>
+  </p:cSld>
+  <p:clrMapOvr>
+    <a:masterClrMapping/>
+  </p:clrMapOvr>
+</p:sld>
+</file>
+
+<file path=ppt/slides/slide3.xml><?xml version="1.0" encoding="utf-8"?>
+<p:sld xmlns:a="http://schemas.openxmlformats.org/drawingml/2006/main" xmlns:r="http://schemas.openxmlformats.org/officeDocument/2006/relationships" xmlns:p="http://schemas.openxmlformats.org/presentationml/2006/main">
+  <p:cSld>
+    <p:spTree>
+      <p:nvGrpSpPr>
+        <p:cNvPr id="1" name=""/>
+        <p:cNvGrpSpPr/>
+        <p:nvPr/>
+      </p:nvGrpSpPr>
+      <p:grpSpPr>
+        <a:xfrm>
+          <a:off x="0" y="0"/>
+          <a:ext cx="0" cy="0"/>
+          <a:chOff x="0" y="0"/>
+          <a:chExt cx="0" cy="0"/>
+        </a:xfrm>
+      </p:grpSpPr>
+      <p:sp>
+        <p:nvSpPr>
+          <p:cNvPr id="6" name="タイトル 5">
+            <a:extLst>
+              <a:ext uri="{FF2B5EF4-FFF2-40B4-BE49-F238E27FC236}">
+                <a16:creationId xmlns:a16="http://schemas.microsoft.com/office/drawing/2014/main" id="{6E24A800-C60F-4CD5-B0D8-E8545F3A9259}"/>
+              </a:ext>
+            </a:extLst>
+          </p:cNvPr>
+          <p:cNvSpPr>
+            <a:spLocks noGrp="1"/>
+          </p:cNvSpPr>
+          <p:nvPr>
+            <p:ph type="title"/>
+          </p:nvPr>
+        </p:nvSpPr>
+        <p:spPr/>
+        <p:txBody>
+          <a:bodyPr/>
+          <a:lstStyle/>
+          <a:p>
+            <a:endParaRPr lang="ja-JP" altLang="en-US"/>
+          </a:p>
+        </p:txBody>
+      </p:sp>
+      <p:sp>
+        <p:nvSpPr>
+          <p:cNvPr id="10" name="テキスト ボックス 9">
+            <a:extLst>
+              <a:ext uri="{FF2B5EF4-FFF2-40B4-BE49-F238E27FC236}">
+                <a16:creationId xmlns:a16="http://schemas.microsoft.com/office/drawing/2014/main" id="{11DA12EE-5067-4F3C-AD00-D3FB80AA4DC8}"/>
+              </a:ext>
+            </a:extLst>
+          </p:cNvPr>
+          <p:cNvSpPr txBox="1"/>
+          <p:nvPr/>
+        </p:nvSpPr>
+        <p:spPr>
+          <a:xfrm>
             <a:off x="794864" y="2033926"/>
             <a:ext cx="2726193" cy="338554"/>
           </a:xfrm>
@@ -4389,7 +5074,7 @@
 </p:sld>
 </file>
 
-<file path=ppt/slides/slide3.xml><?xml version="1.0" encoding="utf-8"?>
+<file path=ppt/slides/slide4.xml><?xml version="1.0" encoding="utf-8"?>
 <p:sld xmlns:a="http://schemas.openxmlformats.org/drawingml/2006/main" xmlns:r="http://schemas.openxmlformats.org/officeDocument/2006/relationships" xmlns:p="http://schemas.openxmlformats.org/presentationml/2006/main">
   <p:cSld>
     <p:spTree>

--- a/images/function/図素材.pptx
+++ b/images/function/図素材.pptx
@@ -5,16 +5,17 @@
     <p:sldMasterId id="2147483660" r:id="rId1"/>
   </p:sldMasterIdLst>
   <p:notesMasterIdLst>
-    <p:notesMasterId r:id="rId6"/>
+    <p:notesMasterId r:id="rId7"/>
   </p:notesMasterIdLst>
   <p:handoutMasterIdLst>
-    <p:handoutMasterId r:id="rId7"/>
+    <p:handoutMasterId r:id="rId8"/>
   </p:handoutMasterIdLst>
   <p:sldIdLst>
     <p:sldId id="574" r:id="rId2"/>
-    <p:sldId id="570" r:id="rId3"/>
-    <p:sldId id="573" r:id="rId4"/>
-    <p:sldId id="572" r:id="rId5"/>
+    <p:sldId id="575" r:id="rId3"/>
+    <p:sldId id="570" r:id="rId4"/>
+    <p:sldId id="573" r:id="rId5"/>
+    <p:sldId id="572" r:id="rId6"/>
   </p:sldIdLst>
   <p:sldSz cx="9144000" cy="6858000" type="screen4x3"/>
   <p:notesSz cx="6858000" cy="9144000"/>
@@ -218,7 +219,7 @@
           <a:p>
             <a:fld id="{C0D9501B-69D0-4000-9A67-A4069798CF04}" type="datetimeFigureOut">
               <a:rPr kumimoji="1" lang="ja-JP" altLang="en-US" smtClean="0"/>
-              <a:t>2022/5/23</a:t>
+              <a:t>2022/5/30</a:t>
             </a:fld>
             <a:endParaRPr kumimoji="1" lang="ja-JP" altLang="en-US"/>
           </a:p>
@@ -396,7 +397,7 @@
           <a:p>
             <a:fld id="{E1D20702-79C6-4D55-B0C7-6A4E995866BD}" type="datetimeFigureOut">
               <a:rPr kumimoji="1" lang="ja-JP" altLang="en-US" smtClean="0"/>
-              <a:t>2022/5/23</a:t>
+              <a:t>2022/5/30</a:t>
             </a:fld>
             <a:endParaRPr kumimoji="1" lang="ja-JP" altLang="en-US"/>
           </a:p>
@@ -3108,12 +3109,71 @@
           <a:chExt cx="0" cy="0"/>
         </a:xfrm>
       </p:grpSpPr>
-      <p:sp>
-        <p:nvSpPr>
-          <p:cNvPr id="6" name="タイトル 5">
-            <a:extLst>
-              <a:ext uri="{FF2B5EF4-FFF2-40B4-BE49-F238E27FC236}">
-                <a16:creationId xmlns:a16="http://schemas.microsoft.com/office/drawing/2014/main" id="{6E24A800-C60F-4CD5-B0D8-E8545F3A9259}"/>
+      <p:pic>
+        <p:nvPicPr>
+          <p:cNvPr id="28" name="図 27">
+            <a:extLst>
+              <a:ext uri="{FF2B5EF4-FFF2-40B4-BE49-F238E27FC236}">
+                <a16:creationId xmlns:a16="http://schemas.microsoft.com/office/drawing/2014/main" id="{3A4E1658-207E-79F4-DF65-84511747B056}"/>
+              </a:ext>
+            </a:extLst>
+          </p:cNvPr>
+          <p:cNvPicPr>
+            <a:picLocks noChangeAspect="1"/>
+          </p:cNvPicPr>
+          <p:nvPr/>
+        </p:nvPicPr>
+        <p:blipFill>
+          <a:blip r:embed="rId2"/>
+          <a:stretch>
+            <a:fillRect/>
+          </a:stretch>
+        </p:blipFill>
+        <p:spPr>
+          <a:xfrm>
+            <a:off x="12137" y="3002064"/>
+            <a:ext cx="9134475" cy="1266825"/>
+          </a:xfrm>
+          <a:prstGeom prst="rect">
+            <a:avLst/>
+          </a:prstGeom>
+        </p:spPr>
+      </p:pic>
+      <p:sp>
+        <p:nvSpPr>
+          <p:cNvPr id="2" name="スライド番号プレースホルダー 1">
+            <a:extLst>
+              <a:ext uri="{FF2B5EF4-FFF2-40B4-BE49-F238E27FC236}">
+                <a16:creationId xmlns:a16="http://schemas.microsoft.com/office/drawing/2014/main" id="{9991899F-A8FE-9473-E685-EB142B3FC0F3}"/>
+              </a:ext>
+            </a:extLst>
+          </p:cNvPr>
+          <p:cNvSpPr>
+            <a:spLocks noGrp="1"/>
+          </p:cNvSpPr>
+          <p:nvPr>
+            <p:ph type="sldNum" sz="quarter" idx="12"/>
+          </p:nvPr>
+        </p:nvSpPr>
+        <p:spPr/>
+        <p:txBody>
+          <a:bodyPr/>
+          <a:lstStyle/>
+          <a:p>
+            <a:fld id="{54E8F7FD-0FB9-42CD-ACB3-7754F601E11E}" type="slidenum">
+              <a:rPr kumimoji="1" lang="ja-JP" altLang="en-US" smtClean="0"/>
+              <a:t>2</a:t>
+            </a:fld>
+            <a:endParaRPr kumimoji="1" lang="ja-JP" altLang="en-US"/>
+          </a:p>
+        </p:txBody>
+      </p:sp>
+      <p:sp>
+        <p:nvSpPr>
+          <p:cNvPr id="5" name="タイトル 4">
+            <a:extLst>
+              <a:ext uri="{FF2B5EF4-FFF2-40B4-BE49-F238E27FC236}">
+                <a16:creationId xmlns:a16="http://schemas.microsoft.com/office/drawing/2014/main" id="{6F8382C6-A6DA-4B9D-6F32-999682827FC7}"/>
               </a:ext>
             </a:extLst>
           </p:cNvPr>
@@ -3135,317 +3195,58 @@
       </p:sp>
       <p:sp>
         <p:nvSpPr>
-          <p:cNvPr id="10" name="テキスト ボックス 9">
-            <a:extLst>
-              <a:ext uri="{FF2B5EF4-FFF2-40B4-BE49-F238E27FC236}">
-                <a16:creationId xmlns:a16="http://schemas.microsoft.com/office/drawing/2014/main" id="{11DA12EE-5067-4F3C-AD00-D3FB80AA4DC8}"/>
-              </a:ext>
-            </a:extLst>
-          </p:cNvPr>
-          <p:cNvSpPr txBox="1"/>
+          <p:cNvPr id="4" name="フッター プレースホルダー 3">
+            <a:extLst>
+              <a:ext uri="{FF2B5EF4-FFF2-40B4-BE49-F238E27FC236}">
+                <a16:creationId xmlns:a16="http://schemas.microsoft.com/office/drawing/2014/main" id="{717A9C53-AFC9-8C9D-3E8C-4F4367B7A0CB}"/>
+              </a:ext>
+            </a:extLst>
+          </p:cNvPr>
+          <p:cNvSpPr>
+            <a:spLocks noGrp="1"/>
+          </p:cNvSpPr>
+          <p:nvPr>
+            <p:ph type="ftr" sz="quarter" idx="14"/>
+          </p:nvPr>
+        </p:nvSpPr>
+        <p:spPr/>
+        <p:txBody>
+          <a:bodyPr/>
+          <a:lstStyle/>
+          <a:p>
+            <a:endParaRPr lang="ja-JP" altLang="en-US" dirty="0"/>
+          </a:p>
+        </p:txBody>
+      </p:sp>
+      <p:sp>
+        <p:nvSpPr>
+          <p:cNvPr id="10" name="左中かっこ 9">
+            <a:extLst>
+              <a:ext uri="{FF2B5EF4-FFF2-40B4-BE49-F238E27FC236}">
+                <a16:creationId xmlns:a16="http://schemas.microsoft.com/office/drawing/2014/main" id="{AFC9CA03-7868-F2C7-A1F8-F45BE48ADF06}"/>
+              </a:ext>
+            </a:extLst>
+          </p:cNvPr>
+          <p:cNvSpPr/>
           <p:nvPr/>
         </p:nvSpPr>
         <p:spPr>
-          <a:xfrm>
-            <a:off x="829945" y="2033926"/>
-            <a:ext cx="2549678" cy="369332"/>
-          </a:xfrm>
-          <a:prstGeom prst="rect">
-            <a:avLst/>
-          </a:prstGeom>
-          <a:noFill/>
-        </p:spPr>
-        <p:txBody>
-          <a:bodyPr wrap="square" rtlCol="0">
-            <a:spAutoFit/>
-          </a:bodyPr>
-          <a:lstStyle/>
-          <a:p>
-            <a:r>
-              <a:rPr kumimoji="1" lang="en-US" altLang="ja-JP" dirty="0"/>
-              <a:t>float fX = random( 500 );</a:t>
-            </a:r>
-            <a:endParaRPr kumimoji="1" lang="ja-JP" altLang="en-US" dirty="0"/>
-          </a:p>
-        </p:txBody>
-      </p:sp>
-      <p:sp>
-        <p:nvSpPr>
-          <p:cNvPr id="11" name="テキスト ボックス 10">
-            <a:extLst>
-              <a:ext uri="{FF2B5EF4-FFF2-40B4-BE49-F238E27FC236}">
-                <a16:creationId xmlns:a16="http://schemas.microsoft.com/office/drawing/2014/main" id="{4C8E5ACB-B75A-4CD3-BB41-43EE8BECC1F5}"/>
-              </a:ext>
-            </a:extLst>
-          </p:cNvPr>
-          <p:cNvSpPr txBox="1"/>
-          <p:nvPr/>
-        </p:nvSpPr>
-        <p:spPr>
-          <a:xfrm>
-            <a:off x="3640437" y="2041241"/>
-            <a:ext cx="3879588" cy="2862322"/>
-          </a:xfrm>
-          <a:prstGeom prst="rect">
-            <a:avLst/>
-          </a:prstGeom>
-          <a:noFill/>
+          <a:xfrm rot="5400000" flipV="1">
+            <a:off x="2845387" y="1674557"/>
+            <a:ext cx="245460" cy="2632587"/>
+          </a:xfrm>
+          <a:prstGeom prst="leftBrace">
+            <a:avLst>
+              <a:gd name="adj1" fmla="val 8333"/>
+              <a:gd name="adj2" fmla="val 50000"/>
+            </a:avLst>
+          </a:prstGeom>
           <a:ln>
             <a:solidFill>
               <a:srgbClr val="0070C0"/>
             </a:solidFill>
           </a:ln>
         </p:spPr>
-        <p:txBody>
-          <a:bodyPr wrap="none" rtlCol="0">
-            <a:spAutoFit/>
-          </a:bodyPr>
-          <a:lstStyle/>
-          <a:p>
-            <a:endParaRPr kumimoji="1" lang="en-US" altLang="ja-JP" dirty="0">
-              <a:solidFill>
-                <a:srgbClr val="008080"/>
-              </a:solidFill>
-            </a:endParaRPr>
-          </a:p>
-          <a:p>
-            <a:endParaRPr lang="en-US" altLang="ja-JP" dirty="0">
-              <a:solidFill>
-                <a:srgbClr val="008080"/>
-              </a:solidFill>
-            </a:endParaRPr>
-          </a:p>
-          <a:p>
-            <a:r>
-              <a:rPr kumimoji="1" lang="en-US" altLang="ja-JP" dirty="0">
-                <a:solidFill>
-                  <a:srgbClr val="008080"/>
-                </a:solidFill>
-              </a:rPr>
-              <a:t>float</a:t>
-            </a:r>
-            <a:r>
-              <a:rPr kumimoji="1" lang="en-US" altLang="ja-JP" dirty="0"/>
-              <a:t> </a:t>
-            </a:r>
-            <a:r>
-              <a:rPr kumimoji="1" lang="en-US" altLang="ja-JP" dirty="0">
-                <a:solidFill>
-                  <a:schemeClr val="accent1">
-                    <a:lumMod val="75000"/>
-                  </a:schemeClr>
-                </a:solidFill>
-              </a:rPr>
-              <a:t>random</a:t>
-            </a:r>
-            <a:r>
-              <a:rPr kumimoji="1" lang="en-US" altLang="ja-JP" dirty="0"/>
-              <a:t>( </a:t>
-            </a:r>
-            <a:r>
-              <a:rPr kumimoji="1" lang="ja-JP" altLang="en-US" dirty="0"/>
-              <a:t>引数</a:t>
-            </a:r>
-            <a:r>
-              <a:rPr kumimoji="1" lang="en-US" altLang="ja-JP" dirty="0"/>
-              <a:t> )</a:t>
-            </a:r>
-          </a:p>
-          <a:p>
-            <a:r>
-              <a:rPr lang="en-US" altLang="ja-JP" dirty="0"/>
-              <a:t>{</a:t>
-            </a:r>
-          </a:p>
-          <a:p>
-            <a:r>
-              <a:rPr lang="en-US" altLang="ja-JP" dirty="0"/>
-              <a:t>    </a:t>
-            </a:r>
-            <a:r>
-              <a:rPr lang="en-US" altLang="ja-JP" dirty="0">
-                <a:solidFill>
-                  <a:schemeClr val="accent2">
-                    <a:lumMod val="50000"/>
-                  </a:schemeClr>
-                </a:solidFill>
-              </a:rPr>
-              <a:t>/**</a:t>
-            </a:r>
-          </a:p>
-          <a:p>
-            <a:r>
-              <a:rPr lang="ja-JP" altLang="en-US" dirty="0">
-                <a:solidFill>
-                  <a:schemeClr val="accent2">
-                    <a:lumMod val="50000"/>
-                  </a:schemeClr>
-                </a:solidFill>
-              </a:rPr>
-              <a:t>        ランダムな値を求める計算</a:t>
-            </a:r>
-            <a:endParaRPr lang="en-US" altLang="ja-JP" dirty="0">
-              <a:solidFill>
-                <a:schemeClr val="accent2">
-                  <a:lumMod val="50000"/>
-                </a:schemeClr>
-              </a:solidFill>
-            </a:endParaRPr>
-          </a:p>
-          <a:p>
-            <a:r>
-              <a:rPr lang="en-US" altLang="ja-JP" dirty="0">
-                <a:solidFill>
-                  <a:schemeClr val="accent2">
-                    <a:lumMod val="50000"/>
-                  </a:schemeClr>
-                </a:solidFill>
-              </a:rPr>
-              <a:t>   */</a:t>
-            </a:r>
-          </a:p>
-          <a:p>
-            <a:endParaRPr lang="en-US" altLang="ja-JP" dirty="0"/>
-          </a:p>
-          <a:p>
-            <a:r>
-              <a:rPr lang="en-US" altLang="ja-JP" dirty="0"/>
-              <a:t>    </a:t>
-            </a:r>
-            <a:r>
-              <a:rPr lang="en-US" altLang="ja-JP" dirty="0">
-                <a:solidFill>
-                  <a:srgbClr val="C00000"/>
-                </a:solidFill>
-              </a:rPr>
-              <a:t>return</a:t>
-            </a:r>
-            <a:r>
-              <a:rPr lang="en-US" altLang="ja-JP" dirty="0"/>
-              <a:t> </a:t>
-            </a:r>
-            <a:r>
-              <a:rPr lang="ja-JP" altLang="en-US" dirty="0"/>
-              <a:t>返り値</a:t>
-            </a:r>
-            <a:r>
-              <a:rPr lang="en-US" altLang="ja-JP" dirty="0"/>
-              <a:t>;	</a:t>
-            </a:r>
-            <a:r>
-              <a:rPr lang="en-US" altLang="ja-JP" dirty="0">
-                <a:solidFill>
-                  <a:schemeClr val="accent2">
-                    <a:lumMod val="50000"/>
-                  </a:schemeClr>
-                </a:solidFill>
-              </a:rPr>
-              <a:t>// </a:t>
-            </a:r>
-            <a:r>
-              <a:rPr lang="ja-JP" altLang="en-US" dirty="0">
-                <a:solidFill>
-                  <a:schemeClr val="accent2">
-                    <a:lumMod val="50000"/>
-                  </a:schemeClr>
-                </a:solidFill>
-              </a:rPr>
-              <a:t>計算結果を返す</a:t>
-            </a:r>
-            <a:endParaRPr lang="en-US" altLang="ja-JP" dirty="0">
-              <a:solidFill>
-                <a:schemeClr val="accent2">
-                  <a:lumMod val="50000"/>
-                </a:schemeClr>
-              </a:solidFill>
-            </a:endParaRPr>
-          </a:p>
-          <a:p>
-            <a:r>
-              <a:rPr lang="en-US" altLang="ja-JP" dirty="0"/>
-              <a:t>}</a:t>
-            </a:r>
-            <a:endParaRPr kumimoji="1" lang="ja-JP" altLang="en-US" dirty="0"/>
-          </a:p>
-        </p:txBody>
-      </p:sp>
-      <p:sp>
-        <p:nvSpPr>
-          <p:cNvPr id="12" name="テキスト ボックス 11">
-            <a:extLst>
-              <a:ext uri="{FF2B5EF4-FFF2-40B4-BE49-F238E27FC236}">
-                <a16:creationId xmlns:a16="http://schemas.microsoft.com/office/drawing/2014/main" id="{6B731BD5-DFF0-4BAC-B9C0-61FA39252882}"/>
-              </a:ext>
-            </a:extLst>
-          </p:cNvPr>
-          <p:cNvSpPr txBox="1"/>
-          <p:nvPr/>
-        </p:nvSpPr>
-        <p:spPr>
-          <a:xfrm>
-            <a:off x="3672231" y="2070931"/>
-            <a:ext cx="1210588" cy="338554"/>
-          </a:xfrm>
-          <a:prstGeom prst="rect">
-            <a:avLst/>
-          </a:prstGeom>
-          <a:noFill/>
-          <a:ln>
-            <a:solidFill>
-              <a:schemeClr val="accent1"/>
-            </a:solidFill>
-          </a:ln>
-        </p:spPr>
-        <p:txBody>
-          <a:bodyPr wrap="none" rtlCol="0">
-            <a:spAutoFit/>
-          </a:bodyPr>
-          <a:lstStyle/>
-          <a:p>
-            <a:r>
-              <a:rPr kumimoji="1" lang="ja-JP" altLang="en-US" sz="1600" dirty="0">
-                <a:solidFill>
-                  <a:schemeClr val="accent1">
-                    <a:lumMod val="75000"/>
-                  </a:schemeClr>
-                </a:solidFill>
-              </a:rPr>
-              <a:t>関数の中身</a:t>
-            </a:r>
-          </a:p>
-        </p:txBody>
-      </p:sp>
-      <p:sp>
-        <p:nvSpPr>
-          <p:cNvPr id="19" name="円弧 18">
-            <a:extLst>
-              <a:ext uri="{FF2B5EF4-FFF2-40B4-BE49-F238E27FC236}">
-                <a16:creationId xmlns:a16="http://schemas.microsoft.com/office/drawing/2014/main" id="{43D9E65C-85C9-4A26-A211-7B5C19BC1B25}"/>
-              </a:ext>
-            </a:extLst>
-          </p:cNvPr>
-          <p:cNvSpPr/>
-          <p:nvPr/>
-        </p:nvSpPr>
-        <p:spPr>
-          <a:xfrm rot="20442282">
-            <a:off x="2640469" y="1537401"/>
-            <a:ext cx="2721894" cy="2984503"/>
-          </a:xfrm>
-          <a:prstGeom prst="arc">
-            <a:avLst>
-              <a:gd name="adj1" fmla="val 14402364"/>
-              <a:gd name="adj2" fmla="val 21475249"/>
-            </a:avLst>
-          </a:prstGeom>
-          <a:ln w="9525">
-            <a:solidFill>
-              <a:srgbClr val="FF0000"/>
-            </a:solidFill>
-            <a:headEnd type="none" w="med" len="med"/>
-            <a:tailEnd type="arrow" w="med" len="med"/>
-          </a:ln>
-        </p:spPr>
         <p:style>
           <a:lnRef idx="1">
             <a:schemeClr val="accent1"/>
@@ -3471,62 +3272,10 @@
       </p:sp>
       <p:sp>
         <p:nvSpPr>
-          <p:cNvPr id="21" name="楕円 20">
-            <a:extLst>
-              <a:ext uri="{FF2B5EF4-FFF2-40B4-BE49-F238E27FC236}">
-                <a16:creationId xmlns:a16="http://schemas.microsoft.com/office/drawing/2014/main" id="{77D1352B-8A34-4CF6-B0E4-7AFCD980B812}"/>
-              </a:ext>
-            </a:extLst>
-          </p:cNvPr>
-          <p:cNvSpPr/>
-          <p:nvPr/>
-        </p:nvSpPr>
-        <p:spPr>
-          <a:xfrm>
-            <a:off x="5045001" y="2546423"/>
-            <a:ext cx="513285" cy="431227"/>
-          </a:xfrm>
-          <a:prstGeom prst="ellipse">
-            <a:avLst/>
-          </a:prstGeom>
-          <a:noFill/>
-          <a:ln>
-            <a:solidFill>
-              <a:srgbClr val="FF0000"/>
-            </a:solidFill>
-          </a:ln>
-        </p:spPr>
-        <p:style>
-          <a:lnRef idx="2">
-            <a:schemeClr val="accent1">
-              <a:shade val="50000"/>
-            </a:schemeClr>
-          </a:lnRef>
-          <a:fillRef idx="1">
-            <a:schemeClr val="accent1"/>
-          </a:fillRef>
-          <a:effectRef idx="0">
-            <a:schemeClr val="accent1"/>
-          </a:effectRef>
-          <a:fontRef idx="minor">
-            <a:schemeClr val="lt1"/>
-          </a:fontRef>
-        </p:style>
-        <p:txBody>
-          <a:bodyPr rtlCol="0" anchor="ctr"/>
-          <a:lstStyle/>
-          <a:p>
-            <a:pPr algn="ctr"/>
-            <a:endParaRPr kumimoji="1" lang="ja-JP" altLang="en-US"/>
-          </a:p>
-        </p:txBody>
-      </p:sp>
-      <p:sp>
-        <p:nvSpPr>
-          <p:cNvPr id="22" name="テキスト ボックス 21">
-            <a:extLst>
-              <a:ext uri="{FF2B5EF4-FFF2-40B4-BE49-F238E27FC236}">
-                <a16:creationId xmlns:a16="http://schemas.microsoft.com/office/drawing/2014/main" id="{74895D4D-54A0-459C-9A44-FF1C8596B05A}"/>
+          <p:cNvPr id="11" name="テキスト ボックス 10">
+            <a:extLst>
+              <a:ext uri="{FF2B5EF4-FFF2-40B4-BE49-F238E27FC236}">
+                <a16:creationId xmlns:a16="http://schemas.microsoft.com/office/drawing/2014/main" id="{09334000-D747-0659-A59A-06CE320F0748}"/>
               </a:ext>
             </a:extLst>
           </p:cNvPr>
@@ -3535,8 +3284,8 @@
         </p:nvSpPr>
         <p:spPr>
           <a:xfrm>
-            <a:off x="2223820" y="1236232"/>
-            <a:ext cx="1976823" cy="307777"/>
+            <a:off x="2606479" y="2569292"/>
+            <a:ext cx="723275" cy="307777"/>
           </a:xfrm>
           <a:prstGeom prst="rect">
             <a:avLst/>
@@ -3549,31 +3298,85 @@
           </a:bodyPr>
           <a:lstStyle/>
           <a:p>
-            <a:r>
-              <a:rPr kumimoji="1" lang="en-US" altLang="ja-JP" sz="1400" dirty="0">
+            <a:pPr algn="ctr"/>
+            <a:r>
+              <a:rPr kumimoji="1" lang="ja-JP" altLang="en-US" sz="1400">
                 <a:solidFill>
-                  <a:srgbClr val="FF0000"/>
+                  <a:srgbClr val="0070C0"/>
                 </a:solidFill>
               </a:rPr>
-              <a:t>1. </a:t>
-            </a:r>
-            <a:r>
-              <a:rPr kumimoji="1" lang="ja-JP" altLang="en-US" sz="1400" dirty="0">
-                <a:solidFill>
-                  <a:srgbClr val="FF0000"/>
-                </a:solidFill>
-              </a:rPr>
-              <a:t>関数に引数を渡す．</a:t>
-            </a:r>
-          </a:p>
-        </p:txBody>
-      </p:sp>
-      <p:sp>
-        <p:nvSpPr>
-          <p:cNvPr id="23" name="テキスト ボックス 22">
-            <a:extLst>
-              <a:ext uri="{FF2B5EF4-FFF2-40B4-BE49-F238E27FC236}">
-                <a16:creationId xmlns:a16="http://schemas.microsoft.com/office/drawing/2014/main" id="{59704BF6-00E1-4DF2-941A-CA20D9CC6388}"/>
+              <a:t>仮引数</a:t>
+            </a:r>
+            <a:endParaRPr kumimoji="1" lang="ja-JP" altLang="en-US" sz="1400" dirty="0">
+              <a:solidFill>
+                <a:srgbClr val="0070C0"/>
+              </a:solidFill>
+            </a:endParaRPr>
+          </a:p>
+        </p:txBody>
+      </p:sp>
+      <p:sp>
+        <p:nvSpPr>
+          <p:cNvPr id="12" name="左中かっこ 11">
+            <a:extLst>
+              <a:ext uri="{FF2B5EF4-FFF2-40B4-BE49-F238E27FC236}">
+                <a16:creationId xmlns:a16="http://schemas.microsoft.com/office/drawing/2014/main" id="{78AA2429-975B-F07E-CFE3-76DC09D00D92}"/>
+              </a:ext>
+            </a:extLst>
+          </p:cNvPr>
+          <p:cNvSpPr/>
+          <p:nvPr/>
+        </p:nvSpPr>
+        <p:spPr>
+          <a:xfrm rot="16200000" flipH="1">
+            <a:off x="931470" y="2522802"/>
+            <a:ext cx="245458" cy="936097"/>
+          </a:xfrm>
+          <a:prstGeom prst="leftBrace">
+            <a:avLst>
+              <a:gd name="adj1" fmla="val 10361"/>
+              <a:gd name="adj2" fmla="val 50000"/>
+            </a:avLst>
+          </a:prstGeom>
+          <a:ln>
+            <a:solidFill>
+              <a:srgbClr val="0070C0"/>
+            </a:solidFill>
+          </a:ln>
+        </p:spPr>
+        <p:style>
+          <a:lnRef idx="1">
+            <a:schemeClr val="accent1"/>
+          </a:lnRef>
+          <a:fillRef idx="0">
+            <a:schemeClr val="accent1"/>
+          </a:fillRef>
+          <a:effectRef idx="0">
+            <a:schemeClr val="accent1"/>
+          </a:effectRef>
+          <a:fontRef idx="minor">
+            <a:schemeClr val="tx1"/>
+          </a:fontRef>
+        </p:style>
+        <p:txBody>
+          <a:bodyPr rtlCol="0" anchor="ctr"/>
+          <a:lstStyle/>
+          <a:p>
+            <a:pPr algn="ctr"/>
+            <a:endParaRPr kumimoji="1" lang="ja-JP" altLang="en-US">
+              <a:solidFill>
+                <a:schemeClr val="accent1"/>
+              </a:solidFill>
+            </a:endParaRPr>
+          </a:p>
+        </p:txBody>
+      </p:sp>
+      <p:sp>
+        <p:nvSpPr>
+          <p:cNvPr id="13" name="テキスト ボックス 12">
+            <a:extLst>
+              <a:ext uri="{FF2B5EF4-FFF2-40B4-BE49-F238E27FC236}">
+                <a16:creationId xmlns:a16="http://schemas.microsoft.com/office/drawing/2014/main" id="{24D82E9E-FB9A-6A0C-93A0-7F0EFB54070C}"/>
               </a:ext>
             </a:extLst>
           </p:cNvPr>
@@ -3582,8 +3385,8 @@
         </p:nvSpPr>
         <p:spPr>
           <a:xfrm>
-            <a:off x="5454048" y="2993424"/>
-            <a:ext cx="1912355" cy="307777"/>
+            <a:off x="553493" y="2575615"/>
+            <a:ext cx="936097" cy="307777"/>
           </a:xfrm>
           <a:prstGeom prst="rect">
             <a:avLst/>
@@ -3596,52 +3399,24 @@
           </a:bodyPr>
           <a:lstStyle/>
           <a:p>
-            <a:r>
-              <a:rPr lang="en-US" altLang="ja-JP" sz="1400" dirty="0">
+            <a:pPr algn="ctr"/>
+            <a:r>
+              <a:rPr kumimoji="1" lang="ja-JP" altLang="en-US" sz="1400" dirty="0">
                 <a:solidFill>
-                  <a:srgbClr val="FF0000"/>
+                  <a:srgbClr val="0070C0"/>
                 </a:solidFill>
               </a:rPr>
-              <a:t>2</a:t>
-            </a:r>
-            <a:r>
-              <a:rPr kumimoji="1" lang="en-US" altLang="ja-JP" sz="1400" dirty="0">
-                <a:solidFill>
-                  <a:srgbClr val="FF0000"/>
-                </a:solidFill>
-              </a:rPr>
-              <a:t>. </a:t>
-            </a:r>
-            <a:r>
-              <a:rPr kumimoji="1" lang="ja-JP" altLang="en-US" sz="1400" dirty="0">
-                <a:solidFill>
-                  <a:srgbClr val="FF0000"/>
-                </a:solidFill>
-              </a:rPr>
-              <a:t>引数を元に</a:t>
-            </a:r>
-            <a:r>
-              <a:rPr lang="ja-JP" altLang="en-US" sz="1400" dirty="0">
-                <a:solidFill>
-                  <a:srgbClr val="FF0000"/>
-                </a:solidFill>
-              </a:rPr>
-              <a:t>計算</a:t>
-            </a:r>
-            <a:endParaRPr kumimoji="1" lang="ja-JP" altLang="en-US" sz="1400" dirty="0">
-              <a:solidFill>
-                <a:srgbClr val="FF0000"/>
-              </a:solidFill>
-            </a:endParaRPr>
+              <a:t>関数名</a:t>
+            </a:r>
           </a:p>
         </p:txBody>
       </p:sp>
       <p:cxnSp>
         <p:nvCxnSpPr>
-          <p:cNvPr id="25" name="直線矢印コネクタ 24">
-            <a:extLst>
-              <a:ext uri="{FF2B5EF4-FFF2-40B4-BE49-F238E27FC236}">
-                <a16:creationId xmlns:a16="http://schemas.microsoft.com/office/drawing/2014/main" id="{87346951-B73E-44F0-846D-B46957E8785F}"/>
+          <p:cNvPr id="17" name="直線矢印コネクタ 16">
+            <a:extLst>
+              <a:ext uri="{FF2B5EF4-FFF2-40B4-BE49-F238E27FC236}">
+                <a16:creationId xmlns:a16="http://schemas.microsoft.com/office/drawing/2014/main" id="{2D63F821-DE18-1AAA-16CE-8E3E86BB8C42}"/>
               </a:ext>
             </a:extLst>
           </p:cNvPr>
@@ -3651,16 +3426,16 @@
           <p:nvPr/>
         </p:nvCxnSpPr>
         <p:spPr>
-          <a:xfrm>
-            <a:off x="5439417" y="2993424"/>
-            <a:ext cx="0" cy="1242425"/>
+          <a:xfrm flipH="1">
+            <a:off x="2086897" y="3281516"/>
+            <a:ext cx="147484" cy="250723"/>
           </a:xfrm>
           <a:prstGeom prst="straightConnector1">
             <a:avLst/>
           </a:prstGeom>
           <a:ln w="9525">
             <a:solidFill>
-              <a:srgbClr val="FF0000"/>
+              <a:srgbClr val="0070C0"/>
             </a:solidFill>
             <a:tailEnd type="triangle"/>
           </a:ln>
@@ -3680,35 +3455,33 @@
           </a:fontRef>
         </p:style>
       </p:cxnSp>
-      <p:sp>
-        <p:nvSpPr>
-          <p:cNvPr id="27" name="円弧 26">
-            <a:extLst>
-              <a:ext uri="{FF2B5EF4-FFF2-40B4-BE49-F238E27FC236}">
-                <a16:creationId xmlns:a16="http://schemas.microsoft.com/office/drawing/2014/main" id="{78198766-54A5-4759-9EE8-91F56EBA8D39}"/>
-              </a:ext>
-            </a:extLst>
-          </p:cNvPr>
-          <p:cNvSpPr/>
+      <p:cxnSp>
+        <p:nvCxnSpPr>
+          <p:cNvPr id="20" name="直線矢印コネクタ 19">
+            <a:extLst>
+              <a:ext uri="{FF2B5EF4-FFF2-40B4-BE49-F238E27FC236}">
+                <a16:creationId xmlns:a16="http://schemas.microsoft.com/office/drawing/2014/main" id="{019FB258-DDC4-3DD7-47E7-7C04EB0A03D5}"/>
+              </a:ext>
+            </a:extLst>
+          </p:cNvPr>
+          <p:cNvCxnSpPr>
+            <a:cxnSpLocks/>
+          </p:cNvCxnSpPr>
           <p:nvPr/>
-        </p:nvSpPr>
-        <p:spPr>
-          <a:xfrm rot="11211622">
-            <a:off x="2366388" y="-140024"/>
-            <a:ext cx="3268242" cy="5266071"/>
-          </a:xfrm>
-          <a:prstGeom prst="arc">
-            <a:avLst>
-              <a:gd name="adj1" fmla="val 14438737"/>
-              <a:gd name="adj2" fmla="val 19534286"/>
-            </a:avLst>
+        </p:nvCxnSpPr>
+        <p:spPr>
+          <a:xfrm flipH="1">
+            <a:off x="2883310" y="3281516"/>
+            <a:ext cx="228600" cy="258097"/>
+          </a:xfrm>
+          <a:prstGeom prst="straightConnector1">
+            <a:avLst/>
           </a:prstGeom>
           <a:ln w="9525">
             <a:solidFill>
-              <a:srgbClr val="FF0000"/>
+              <a:srgbClr val="0070C0"/>
             </a:solidFill>
-            <a:headEnd type="none" w="med" len="med"/>
-            <a:tailEnd type="arrow" w="med" len="med"/>
+            <a:tailEnd type="triangle"/>
           </a:ln>
         </p:spPr>
         <p:style>
@@ -3725,91 +3498,34 @@
             <a:schemeClr val="tx1"/>
           </a:fontRef>
         </p:style>
-        <p:txBody>
-          <a:bodyPr rtlCol="0" anchor="ctr"/>
-          <a:lstStyle/>
-          <a:p>
-            <a:pPr algn="ctr"/>
-            <a:endParaRPr kumimoji="1" lang="ja-JP" altLang="en-US"/>
-          </a:p>
-        </p:txBody>
-      </p:sp>
-      <p:sp>
-        <p:nvSpPr>
-          <p:cNvPr id="28" name="テキスト ボックス 27">
-            <a:extLst>
-              <a:ext uri="{FF2B5EF4-FFF2-40B4-BE49-F238E27FC236}">
-                <a16:creationId xmlns:a16="http://schemas.microsoft.com/office/drawing/2014/main" id="{777A0056-423A-42A6-A835-A88992C54F55}"/>
-              </a:ext>
-            </a:extLst>
-          </p:cNvPr>
-          <p:cNvSpPr txBox="1"/>
+      </p:cxnSp>
+      <p:cxnSp>
+        <p:nvCxnSpPr>
+          <p:cNvPr id="23" name="直線矢印コネクタ 22">
+            <a:extLst>
+              <a:ext uri="{FF2B5EF4-FFF2-40B4-BE49-F238E27FC236}">
+                <a16:creationId xmlns:a16="http://schemas.microsoft.com/office/drawing/2014/main" id="{4E06F40A-8C11-3D6F-D82D-6F7E08B5EEFF}"/>
+              </a:ext>
+            </a:extLst>
+          </p:cNvPr>
+          <p:cNvCxnSpPr>
+            <a:cxnSpLocks/>
+          </p:cNvCxnSpPr>
           <p:nvPr/>
-        </p:nvSpPr>
-        <p:spPr>
-          <a:xfrm>
-            <a:off x="3886439" y="5100968"/>
-            <a:ext cx="3105955" cy="307777"/>
-          </a:xfrm>
-          <a:prstGeom prst="rect">
+        </p:nvCxnSpPr>
+        <p:spPr>
+          <a:xfrm flipH="1">
+            <a:off x="3591232" y="3274142"/>
+            <a:ext cx="398207" cy="258097"/>
+          </a:xfrm>
+          <a:prstGeom prst="straightConnector1">
             <a:avLst/>
           </a:prstGeom>
-          <a:noFill/>
-        </p:spPr>
-        <p:txBody>
-          <a:bodyPr wrap="square" rtlCol="0">
-            <a:spAutoFit/>
-          </a:bodyPr>
-          <a:lstStyle/>
-          <a:p>
-            <a:r>
-              <a:rPr kumimoji="1" lang="en-US" altLang="ja-JP" sz="1400" dirty="0">
-                <a:solidFill>
-                  <a:srgbClr val="FF0000"/>
-                </a:solidFill>
-              </a:rPr>
-              <a:t>3. </a:t>
-            </a:r>
-            <a:r>
-              <a:rPr lang="ja-JP" altLang="en-US" sz="1400" dirty="0">
-                <a:solidFill>
-                  <a:srgbClr val="FF0000"/>
-                </a:solidFill>
-              </a:rPr>
-              <a:t>計算結果を関数呼び出し元に返す．</a:t>
-            </a:r>
-            <a:endParaRPr kumimoji="1" lang="en-US" altLang="ja-JP" sz="1400" dirty="0">
-              <a:solidFill>
-                <a:srgbClr val="FF0000"/>
-              </a:solidFill>
-            </a:endParaRPr>
-          </a:p>
-        </p:txBody>
-      </p:sp>
-      <p:sp>
-        <p:nvSpPr>
-          <p:cNvPr id="29" name="左中かっこ 28">
-            <a:extLst>
-              <a:ext uri="{FF2B5EF4-FFF2-40B4-BE49-F238E27FC236}">
-                <a16:creationId xmlns:a16="http://schemas.microsoft.com/office/drawing/2014/main" id="{2A77E5A4-D883-47D0-A18D-1BC89F5A4CE6}"/>
-              </a:ext>
-            </a:extLst>
-          </p:cNvPr>
-          <p:cNvSpPr/>
-          <p:nvPr/>
-        </p:nvSpPr>
-        <p:spPr>
-          <a:xfrm rot="16200000">
-            <a:off x="2769002" y="2221390"/>
-            <a:ext cx="143165" cy="404490"/>
-          </a:xfrm>
-          <a:prstGeom prst="leftBrace">
-            <a:avLst/>
-          </a:prstGeom>
-          <a:ln>
+          <a:ln w="9525">
             <a:solidFill>
-              <a:srgbClr val="FF9900"/>
+              <a:srgbClr val="0070C0"/>
             </a:solidFill>
+            <a:tailEnd type="triangle"/>
           </a:ln>
         </p:spPr>
         <p:style>
@@ -3826,60 +3542,13 @@
             <a:schemeClr val="tx1"/>
           </a:fontRef>
         </p:style>
-        <p:txBody>
-          <a:bodyPr rtlCol="0" anchor="ctr"/>
-          <a:lstStyle/>
-          <a:p>
-            <a:pPr algn="ctr"/>
-            <a:endParaRPr kumimoji="1" lang="ja-JP" altLang="en-US"/>
-          </a:p>
-        </p:txBody>
-      </p:sp>
-      <p:sp>
-        <p:nvSpPr>
-          <p:cNvPr id="30" name="テキスト ボックス 29">
-            <a:extLst>
-              <a:ext uri="{FF2B5EF4-FFF2-40B4-BE49-F238E27FC236}">
-                <a16:creationId xmlns:a16="http://schemas.microsoft.com/office/drawing/2014/main" id="{EAFF22C1-3145-40E6-8C17-4701837355E7}"/>
-              </a:ext>
-            </a:extLst>
-          </p:cNvPr>
-          <p:cNvSpPr txBox="1"/>
-          <p:nvPr/>
-        </p:nvSpPr>
-        <p:spPr>
-          <a:xfrm>
-            <a:off x="2592057" y="2546422"/>
-            <a:ext cx="543739" cy="307777"/>
-          </a:xfrm>
-          <a:prstGeom prst="rect">
-            <a:avLst/>
-          </a:prstGeom>
-          <a:noFill/>
-        </p:spPr>
-        <p:txBody>
-          <a:bodyPr wrap="none" rtlCol="0">
-            <a:spAutoFit/>
-          </a:bodyPr>
-          <a:lstStyle/>
-          <a:p>
-            <a:r>
-              <a:rPr kumimoji="1" lang="ja-JP" altLang="en-US" sz="1400" dirty="0">
-                <a:solidFill>
-                  <a:srgbClr val="FF9900"/>
-                </a:solidFill>
-              </a:rPr>
-              <a:t>引数</a:t>
-            </a:r>
-          </a:p>
-        </p:txBody>
-      </p:sp>
-      <p:sp>
-        <p:nvSpPr>
-          <p:cNvPr id="31" name="左中かっこ 30">
-            <a:extLst>
-              <a:ext uri="{FF2B5EF4-FFF2-40B4-BE49-F238E27FC236}">
-                <a16:creationId xmlns:a16="http://schemas.microsoft.com/office/drawing/2014/main" id="{903F71E1-4DE5-467A-B540-7A851AED4D7C}"/>
+      </p:cxnSp>
+      <p:sp>
+        <p:nvSpPr>
+          <p:cNvPr id="33" name="左中かっこ 32">
+            <a:extLst>
+              <a:ext uri="{FF2B5EF4-FFF2-40B4-BE49-F238E27FC236}">
+                <a16:creationId xmlns:a16="http://schemas.microsoft.com/office/drawing/2014/main" id="{75093AFB-D5FC-091E-5B57-BCBA0B104F12}"/>
               </a:ext>
             </a:extLst>
           </p:cNvPr>
@@ -3887,16 +3556,19 @@
           <p:nvPr/>
         </p:nvSpPr>
         <p:spPr>
-          <a:xfrm rot="16200000">
-            <a:off x="2102390" y="2064670"/>
-            <a:ext cx="143166" cy="697178"/>
+          <a:xfrm rot="5400000" flipH="1">
+            <a:off x="1074037" y="3731224"/>
+            <a:ext cx="245458" cy="695207"/>
           </a:xfrm>
           <a:prstGeom prst="leftBrace">
-            <a:avLst/>
+            <a:avLst>
+              <a:gd name="adj1" fmla="val 10361"/>
+              <a:gd name="adj2" fmla="val 50000"/>
+            </a:avLst>
           </a:prstGeom>
           <a:ln>
             <a:solidFill>
-              <a:schemeClr val="accent1"/>
+              <a:srgbClr val="0070C0"/>
             </a:solidFill>
           </a:ln>
         </p:spPr>
@@ -3929,10 +3601,10 @@
       </p:sp>
       <p:sp>
         <p:nvSpPr>
-          <p:cNvPr id="32" name="テキスト ボックス 31">
-            <a:extLst>
-              <a:ext uri="{FF2B5EF4-FFF2-40B4-BE49-F238E27FC236}">
-                <a16:creationId xmlns:a16="http://schemas.microsoft.com/office/drawing/2014/main" id="{FCFF6794-C9A5-41DE-9110-188BF1563A6B}"/>
+          <p:cNvPr id="34" name="テキスト ボックス 33">
+            <a:extLst>
+              <a:ext uri="{FF2B5EF4-FFF2-40B4-BE49-F238E27FC236}">
+                <a16:creationId xmlns:a16="http://schemas.microsoft.com/office/drawing/2014/main" id="{2D54EA65-0E63-6C18-186D-D17BDDEC0270}"/>
               </a:ext>
             </a:extLst>
           </p:cNvPr>
@@ -3941,7 +3613,7 @@
         </p:nvSpPr>
         <p:spPr>
           <a:xfrm>
-            <a:off x="1799287" y="2536046"/>
+            <a:off x="849162" y="4233672"/>
             <a:ext cx="723275" cy="307777"/>
           </a:xfrm>
           <a:prstGeom prst="rect">
@@ -3955,127 +3627,27 @@
           </a:bodyPr>
           <a:lstStyle/>
           <a:p>
-            <a:r>
-              <a:rPr kumimoji="1" lang="ja-JP" altLang="en-US" sz="1400" dirty="0">
+            <a:pPr algn="ctr"/>
+            <a:r>
+              <a:rPr kumimoji="1" lang="ja-JP" altLang="en-US" sz="1400">
                 <a:solidFill>
-                  <a:schemeClr val="accent1"/>
+                  <a:srgbClr val="0070C0"/>
                 </a:solidFill>
               </a:rPr>
-              <a:t>関数名</a:t>
-            </a:r>
-          </a:p>
-        </p:txBody>
-      </p:sp>
-      <p:sp>
-        <p:nvSpPr>
-          <p:cNvPr id="33" name="テキスト ボックス 32">
-            <a:extLst>
-              <a:ext uri="{FF2B5EF4-FFF2-40B4-BE49-F238E27FC236}">
-                <a16:creationId xmlns:a16="http://schemas.microsoft.com/office/drawing/2014/main" id="{92823F53-63C2-4AF3-ADF4-AD1F01E59A5E}"/>
-              </a:ext>
-            </a:extLst>
-          </p:cNvPr>
-          <p:cNvSpPr txBox="1"/>
-          <p:nvPr/>
-        </p:nvSpPr>
-        <p:spPr>
-          <a:xfrm>
-            <a:off x="825570" y="3024113"/>
-            <a:ext cx="2326230" cy="307777"/>
-          </a:xfrm>
-          <a:prstGeom prst="rect">
-            <a:avLst/>
-          </a:prstGeom>
-          <a:noFill/>
-        </p:spPr>
-        <p:txBody>
-          <a:bodyPr wrap="square" rtlCol="0">
-            <a:spAutoFit/>
-          </a:bodyPr>
-          <a:lstStyle/>
-          <a:p>
-            <a:r>
-              <a:rPr kumimoji="1" lang="en-US" altLang="ja-JP" sz="1400" dirty="0">
-                <a:solidFill>
-                  <a:srgbClr val="FF0000"/>
-                </a:solidFill>
-              </a:rPr>
-              <a:t>4. </a:t>
-            </a:r>
-            <a:r>
-              <a:rPr kumimoji="1" lang="ja-JP" altLang="en-US" sz="1400" dirty="0">
-                <a:solidFill>
-                  <a:srgbClr val="FF0000"/>
-                </a:solidFill>
-              </a:rPr>
-              <a:t>変数に返り値を代入する．</a:t>
-            </a:r>
-            <a:endParaRPr kumimoji="1" lang="en-US" altLang="ja-JP" sz="1400" dirty="0">
+              <a:t>返り値</a:t>
+            </a:r>
+            <a:endParaRPr kumimoji="1" lang="ja-JP" altLang="en-US" sz="1400" dirty="0">
               <a:solidFill>
-                <a:srgbClr val="FF0000"/>
+                <a:srgbClr val="0070C0"/>
               </a:solidFill>
             </a:endParaRPr>
-          </a:p>
-        </p:txBody>
-      </p:sp>
-      <p:sp>
-        <p:nvSpPr>
-          <p:cNvPr id="34" name="円弧 33">
-            <a:extLst>
-              <a:ext uri="{FF2B5EF4-FFF2-40B4-BE49-F238E27FC236}">
-                <a16:creationId xmlns:a16="http://schemas.microsoft.com/office/drawing/2014/main" id="{F5074C1E-04CA-4ED0-AC5E-723498AF134E}"/>
-              </a:ext>
-            </a:extLst>
-          </p:cNvPr>
-          <p:cNvSpPr/>
-          <p:nvPr/>
-        </p:nvSpPr>
-        <p:spPr>
-          <a:xfrm rot="11211622">
-            <a:off x="1423339" y="-513254"/>
-            <a:ext cx="3268242" cy="4114526"/>
-          </a:xfrm>
-          <a:prstGeom prst="arc">
-            <a:avLst>
-              <a:gd name="adj1" fmla="val 18051231"/>
-              <a:gd name="adj2" fmla="val 19534286"/>
-            </a:avLst>
-          </a:prstGeom>
-          <a:ln w="9525">
-            <a:solidFill>
-              <a:srgbClr val="FF0000"/>
-            </a:solidFill>
-            <a:headEnd type="none" w="med" len="med"/>
-            <a:tailEnd type="arrow" w="med" len="med"/>
-          </a:ln>
-        </p:spPr>
-        <p:style>
-          <a:lnRef idx="1">
-            <a:schemeClr val="accent1"/>
-          </a:lnRef>
-          <a:fillRef idx="0">
-            <a:schemeClr val="accent1"/>
-          </a:fillRef>
-          <a:effectRef idx="0">
-            <a:schemeClr val="accent1"/>
-          </a:effectRef>
-          <a:fontRef idx="minor">
-            <a:schemeClr val="tx1"/>
-          </a:fontRef>
-        </p:style>
-        <p:txBody>
-          <a:bodyPr rtlCol="0" anchor="ctr"/>
-          <a:lstStyle/>
-          <a:p>
-            <a:pPr algn="ctr"/>
-            <a:endParaRPr kumimoji="1" lang="ja-JP" altLang="en-US"/>
           </a:p>
         </p:txBody>
       </p:sp>
     </p:spTree>
     <p:extLst>
       <p:ext uri="{BB962C8B-B14F-4D97-AF65-F5344CB8AC3E}">
-        <p14:creationId xmlns:p14="http://schemas.microsoft.com/office/powerpoint/2010/main" val="2375072847"/>
+        <p14:creationId xmlns:p14="http://schemas.microsoft.com/office/powerpoint/2010/main" val="1688921763"/>
       </p:ext>
     </p:extLst>
   </p:cSld>
@@ -4141,6 +3713,1000 @@
         </p:nvSpPr>
         <p:spPr>
           <a:xfrm>
+            <a:off x="829945" y="2033926"/>
+            <a:ext cx="2549678" cy="369332"/>
+          </a:xfrm>
+          <a:prstGeom prst="rect">
+            <a:avLst/>
+          </a:prstGeom>
+          <a:noFill/>
+        </p:spPr>
+        <p:txBody>
+          <a:bodyPr wrap="square" rtlCol="0">
+            <a:spAutoFit/>
+          </a:bodyPr>
+          <a:lstStyle/>
+          <a:p>
+            <a:r>
+              <a:rPr kumimoji="1" lang="en-US" altLang="ja-JP" dirty="0"/>
+              <a:t>float fX = random( 500 );</a:t>
+            </a:r>
+            <a:endParaRPr kumimoji="1" lang="ja-JP" altLang="en-US" dirty="0"/>
+          </a:p>
+        </p:txBody>
+      </p:sp>
+      <p:sp>
+        <p:nvSpPr>
+          <p:cNvPr id="11" name="テキスト ボックス 10">
+            <a:extLst>
+              <a:ext uri="{FF2B5EF4-FFF2-40B4-BE49-F238E27FC236}">
+                <a16:creationId xmlns:a16="http://schemas.microsoft.com/office/drawing/2014/main" id="{4C8E5ACB-B75A-4CD3-BB41-43EE8BECC1F5}"/>
+              </a:ext>
+            </a:extLst>
+          </p:cNvPr>
+          <p:cNvSpPr txBox="1"/>
+          <p:nvPr/>
+        </p:nvSpPr>
+        <p:spPr>
+          <a:xfrm>
+            <a:off x="3640437" y="2041241"/>
+            <a:ext cx="3879588" cy="2862322"/>
+          </a:xfrm>
+          <a:prstGeom prst="rect">
+            <a:avLst/>
+          </a:prstGeom>
+          <a:noFill/>
+          <a:ln>
+            <a:solidFill>
+              <a:srgbClr val="0070C0"/>
+            </a:solidFill>
+          </a:ln>
+        </p:spPr>
+        <p:txBody>
+          <a:bodyPr wrap="none" rtlCol="0">
+            <a:spAutoFit/>
+          </a:bodyPr>
+          <a:lstStyle/>
+          <a:p>
+            <a:endParaRPr kumimoji="1" lang="en-US" altLang="ja-JP" dirty="0">
+              <a:solidFill>
+                <a:srgbClr val="008080"/>
+              </a:solidFill>
+            </a:endParaRPr>
+          </a:p>
+          <a:p>
+            <a:endParaRPr lang="en-US" altLang="ja-JP" dirty="0">
+              <a:solidFill>
+                <a:srgbClr val="008080"/>
+              </a:solidFill>
+            </a:endParaRPr>
+          </a:p>
+          <a:p>
+            <a:r>
+              <a:rPr kumimoji="1" lang="en-US" altLang="ja-JP" dirty="0">
+                <a:solidFill>
+                  <a:srgbClr val="008080"/>
+                </a:solidFill>
+              </a:rPr>
+              <a:t>float</a:t>
+            </a:r>
+            <a:r>
+              <a:rPr kumimoji="1" lang="en-US" altLang="ja-JP" dirty="0"/>
+              <a:t> </a:t>
+            </a:r>
+            <a:r>
+              <a:rPr kumimoji="1" lang="en-US" altLang="ja-JP" dirty="0">
+                <a:solidFill>
+                  <a:schemeClr val="accent1">
+                    <a:lumMod val="75000"/>
+                  </a:schemeClr>
+                </a:solidFill>
+              </a:rPr>
+              <a:t>random</a:t>
+            </a:r>
+            <a:r>
+              <a:rPr kumimoji="1" lang="en-US" altLang="ja-JP" dirty="0"/>
+              <a:t>( </a:t>
+            </a:r>
+            <a:r>
+              <a:rPr kumimoji="1" lang="ja-JP" altLang="en-US" dirty="0"/>
+              <a:t>引数</a:t>
+            </a:r>
+            <a:r>
+              <a:rPr kumimoji="1" lang="en-US" altLang="ja-JP" dirty="0"/>
+              <a:t> )</a:t>
+            </a:r>
+          </a:p>
+          <a:p>
+            <a:r>
+              <a:rPr lang="en-US" altLang="ja-JP" dirty="0"/>
+              <a:t>{</a:t>
+            </a:r>
+          </a:p>
+          <a:p>
+            <a:r>
+              <a:rPr lang="en-US" altLang="ja-JP" dirty="0"/>
+              <a:t>    </a:t>
+            </a:r>
+            <a:r>
+              <a:rPr lang="en-US" altLang="ja-JP" dirty="0">
+                <a:solidFill>
+                  <a:schemeClr val="accent2">
+                    <a:lumMod val="50000"/>
+                  </a:schemeClr>
+                </a:solidFill>
+              </a:rPr>
+              <a:t>/**</a:t>
+            </a:r>
+          </a:p>
+          <a:p>
+            <a:r>
+              <a:rPr lang="ja-JP" altLang="en-US" dirty="0">
+                <a:solidFill>
+                  <a:schemeClr val="accent2">
+                    <a:lumMod val="50000"/>
+                  </a:schemeClr>
+                </a:solidFill>
+              </a:rPr>
+              <a:t>        ランダムな値を求める計算</a:t>
+            </a:r>
+            <a:endParaRPr lang="en-US" altLang="ja-JP" dirty="0">
+              <a:solidFill>
+                <a:schemeClr val="accent2">
+                  <a:lumMod val="50000"/>
+                </a:schemeClr>
+              </a:solidFill>
+            </a:endParaRPr>
+          </a:p>
+          <a:p>
+            <a:r>
+              <a:rPr lang="en-US" altLang="ja-JP" dirty="0">
+                <a:solidFill>
+                  <a:schemeClr val="accent2">
+                    <a:lumMod val="50000"/>
+                  </a:schemeClr>
+                </a:solidFill>
+              </a:rPr>
+              <a:t>   */</a:t>
+            </a:r>
+          </a:p>
+          <a:p>
+            <a:endParaRPr lang="en-US" altLang="ja-JP" dirty="0"/>
+          </a:p>
+          <a:p>
+            <a:r>
+              <a:rPr lang="en-US" altLang="ja-JP" dirty="0"/>
+              <a:t>    </a:t>
+            </a:r>
+            <a:r>
+              <a:rPr lang="en-US" altLang="ja-JP" dirty="0">
+                <a:solidFill>
+                  <a:srgbClr val="C00000"/>
+                </a:solidFill>
+              </a:rPr>
+              <a:t>return</a:t>
+            </a:r>
+            <a:r>
+              <a:rPr lang="en-US" altLang="ja-JP" dirty="0"/>
+              <a:t> </a:t>
+            </a:r>
+            <a:r>
+              <a:rPr lang="ja-JP" altLang="en-US" dirty="0"/>
+              <a:t>返り値</a:t>
+            </a:r>
+            <a:r>
+              <a:rPr lang="en-US" altLang="ja-JP" dirty="0"/>
+              <a:t>;	</a:t>
+            </a:r>
+            <a:r>
+              <a:rPr lang="en-US" altLang="ja-JP" dirty="0">
+                <a:solidFill>
+                  <a:schemeClr val="accent2">
+                    <a:lumMod val="50000"/>
+                  </a:schemeClr>
+                </a:solidFill>
+              </a:rPr>
+              <a:t>// </a:t>
+            </a:r>
+            <a:r>
+              <a:rPr lang="ja-JP" altLang="en-US" dirty="0">
+                <a:solidFill>
+                  <a:schemeClr val="accent2">
+                    <a:lumMod val="50000"/>
+                  </a:schemeClr>
+                </a:solidFill>
+              </a:rPr>
+              <a:t>計算結果を返す</a:t>
+            </a:r>
+            <a:endParaRPr lang="en-US" altLang="ja-JP" dirty="0">
+              <a:solidFill>
+                <a:schemeClr val="accent2">
+                  <a:lumMod val="50000"/>
+                </a:schemeClr>
+              </a:solidFill>
+            </a:endParaRPr>
+          </a:p>
+          <a:p>
+            <a:r>
+              <a:rPr lang="en-US" altLang="ja-JP" dirty="0"/>
+              <a:t>}</a:t>
+            </a:r>
+            <a:endParaRPr kumimoji="1" lang="ja-JP" altLang="en-US" dirty="0"/>
+          </a:p>
+        </p:txBody>
+      </p:sp>
+      <p:sp>
+        <p:nvSpPr>
+          <p:cNvPr id="12" name="テキスト ボックス 11">
+            <a:extLst>
+              <a:ext uri="{FF2B5EF4-FFF2-40B4-BE49-F238E27FC236}">
+                <a16:creationId xmlns:a16="http://schemas.microsoft.com/office/drawing/2014/main" id="{6B731BD5-DFF0-4BAC-B9C0-61FA39252882}"/>
+              </a:ext>
+            </a:extLst>
+          </p:cNvPr>
+          <p:cNvSpPr txBox="1"/>
+          <p:nvPr/>
+        </p:nvSpPr>
+        <p:spPr>
+          <a:xfrm>
+            <a:off x="3672231" y="2070931"/>
+            <a:ext cx="1210588" cy="338554"/>
+          </a:xfrm>
+          <a:prstGeom prst="rect">
+            <a:avLst/>
+          </a:prstGeom>
+          <a:noFill/>
+          <a:ln>
+            <a:solidFill>
+              <a:schemeClr val="accent1"/>
+            </a:solidFill>
+          </a:ln>
+        </p:spPr>
+        <p:txBody>
+          <a:bodyPr wrap="none" rtlCol="0">
+            <a:spAutoFit/>
+          </a:bodyPr>
+          <a:lstStyle/>
+          <a:p>
+            <a:r>
+              <a:rPr kumimoji="1" lang="ja-JP" altLang="en-US" sz="1600" dirty="0">
+                <a:solidFill>
+                  <a:schemeClr val="accent1">
+                    <a:lumMod val="75000"/>
+                  </a:schemeClr>
+                </a:solidFill>
+              </a:rPr>
+              <a:t>関数の中身</a:t>
+            </a:r>
+          </a:p>
+        </p:txBody>
+      </p:sp>
+      <p:sp>
+        <p:nvSpPr>
+          <p:cNvPr id="19" name="円弧 18">
+            <a:extLst>
+              <a:ext uri="{FF2B5EF4-FFF2-40B4-BE49-F238E27FC236}">
+                <a16:creationId xmlns:a16="http://schemas.microsoft.com/office/drawing/2014/main" id="{43D9E65C-85C9-4A26-A211-7B5C19BC1B25}"/>
+              </a:ext>
+            </a:extLst>
+          </p:cNvPr>
+          <p:cNvSpPr/>
+          <p:nvPr/>
+        </p:nvSpPr>
+        <p:spPr>
+          <a:xfrm rot="20442282">
+            <a:off x="2640469" y="1537401"/>
+            <a:ext cx="2721894" cy="2984503"/>
+          </a:xfrm>
+          <a:prstGeom prst="arc">
+            <a:avLst>
+              <a:gd name="adj1" fmla="val 14402364"/>
+              <a:gd name="adj2" fmla="val 21475249"/>
+            </a:avLst>
+          </a:prstGeom>
+          <a:ln w="9525">
+            <a:solidFill>
+              <a:srgbClr val="FF0000"/>
+            </a:solidFill>
+            <a:headEnd type="none" w="med" len="med"/>
+            <a:tailEnd type="arrow" w="med" len="med"/>
+          </a:ln>
+        </p:spPr>
+        <p:style>
+          <a:lnRef idx="1">
+            <a:schemeClr val="accent1"/>
+          </a:lnRef>
+          <a:fillRef idx="0">
+            <a:schemeClr val="accent1"/>
+          </a:fillRef>
+          <a:effectRef idx="0">
+            <a:schemeClr val="accent1"/>
+          </a:effectRef>
+          <a:fontRef idx="minor">
+            <a:schemeClr val="tx1"/>
+          </a:fontRef>
+        </p:style>
+        <p:txBody>
+          <a:bodyPr rtlCol="0" anchor="ctr"/>
+          <a:lstStyle/>
+          <a:p>
+            <a:pPr algn="ctr"/>
+            <a:endParaRPr kumimoji="1" lang="ja-JP" altLang="en-US"/>
+          </a:p>
+        </p:txBody>
+      </p:sp>
+      <p:sp>
+        <p:nvSpPr>
+          <p:cNvPr id="21" name="楕円 20">
+            <a:extLst>
+              <a:ext uri="{FF2B5EF4-FFF2-40B4-BE49-F238E27FC236}">
+                <a16:creationId xmlns:a16="http://schemas.microsoft.com/office/drawing/2014/main" id="{77D1352B-8A34-4CF6-B0E4-7AFCD980B812}"/>
+              </a:ext>
+            </a:extLst>
+          </p:cNvPr>
+          <p:cNvSpPr/>
+          <p:nvPr/>
+        </p:nvSpPr>
+        <p:spPr>
+          <a:xfrm>
+            <a:off x="5045001" y="2546423"/>
+            <a:ext cx="513285" cy="431227"/>
+          </a:xfrm>
+          <a:prstGeom prst="ellipse">
+            <a:avLst/>
+          </a:prstGeom>
+          <a:noFill/>
+          <a:ln>
+            <a:solidFill>
+              <a:srgbClr val="FF0000"/>
+            </a:solidFill>
+          </a:ln>
+        </p:spPr>
+        <p:style>
+          <a:lnRef idx="2">
+            <a:schemeClr val="accent1">
+              <a:shade val="50000"/>
+            </a:schemeClr>
+          </a:lnRef>
+          <a:fillRef idx="1">
+            <a:schemeClr val="accent1"/>
+          </a:fillRef>
+          <a:effectRef idx="0">
+            <a:schemeClr val="accent1"/>
+          </a:effectRef>
+          <a:fontRef idx="minor">
+            <a:schemeClr val="lt1"/>
+          </a:fontRef>
+        </p:style>
+        <p:txBody>
+          <a:bodyPr rtlCol="0" anchor="ctr"/>
+          <a:lstStyle/>
+          <a:p>
+            <a:pPr algn="ctr"/>
+            <a:endParaRPr kumimoji="1" lang="ja-JP" altLang="en-US"/>
+          </a:p>
+        </p:txBody>
+      </p:sp>
+      <p:sp>
+        <p:nvSpPr>
+          <p:cNvPr id="22" name="テキスト ボックス 21">
+            <a:extLst>
+              <a:ext uri="{FF2B5EF4-FFF2-40B4-BE49-F238E27FC236}">
+                <a16:creationId xmlns:a16="http://schemas.microsoft.com/office/drawing/2014/main" id="{74895D4D-54A0-459C-9A44-FF1C8596B05A}"/>
+              </a:ext>
+            </a:extLst>
+          </p:cNvPr>
+          <p:cNvSpPr txBox="1"/>
+          <p:nvPr/>
+        </p:nvSpPr>
+        <p:spPr>
+          <a:xfrm>
+            <a:off x="2223820" y="1236232"/>
+            <a:ext cx="1976823" cy="307777"/>
+          </a:xfrm>
+          <a:prstGeom prst="rect">
+            <a:avLst/>
+          </a:prstGeom>
+          <a:noFill/>
+        </p:spPr>
+        <p:txBody>
+          <a:bodyPr wrap="none" rtlCol="0">
+            <a:spAutoFit/>
+          </a:bodyPr>
+          <a:lstStyle/>
+          <a:p>
+            <a:r>
+              <a:rPr kumimoji="1" lang="en-US" altLang="ja-JP" sz="1400" dirty="0">
+                <a:solidFill>
+                  <a:srgbClr val="FF0000"/>
+                </a:solidFill>
+              </a:rPr>
+              <a:t>1. </a:t>
+            </a:r>
+            <a:r>
+              <a:rPr kumimoji="1" lang="ja-JP" altLang="en-US" sz="1400" dirty="0">
+                <a:solidFill>
+                  <a:srgbClr val="FF0000"/>
+                </a:solidFill>
+              </a:rPr>
+              <a:t>関数に引数を渡す．</a:t>
+            </a:r>
+          </a:p>
+        </p:txBody>
+      </p:sp>
+      <p:sp>
+        <p:nvSpPr>
+          <p:cNvPr id="23" name="テキスト ボックス 22">
+            <a:extLst>
+              <a:ext uri="{FF2B5EF4-FFF2-40B4-BE49-F238E27FC236}">
+                <a16:creationId xmlns:a16="http://schemas.microsoft.com/office/drawing/2014/main" id="{59704BF6-00E1-4DF2-941A-CA20D9CC6388}"/>
+              </a:ext>
+            </a:extLst>
+          </p:cNvPr>
+          <p:cNvSpPr txBox="1"/>
+          <p:nvPr/>
+        </p:nvSpPr>
+        <p:spPr>
+          <a:xfrm>
+            <a:off x="5454048" y="2993424"/>
+            <a:ext cx="1912355" cy="307777"/>
+          </a:xfrm>
+          <a:prstGeom prst="rect">
+            <a:avLst/>
+          </a:prstGeom>
+          <a:noFill/>
+        </p:spPr>
+        <p:txBody>
+          <a:bodyPr wrap="square" rtlCol="0">
+            <a:spAutoFit/>
+          </a:bodyPr>
+          <a:lstStyle/>
+          <a:p>
+            <a:r>
+              <a:rPr lang="en-US" altLang="ja-JP" sz="1400" dirty="0">
+                <a:solidFill>
+                  <a:srgbClr val="FF0000"/>
+                </a:solidFill>
+              </a:rPr>
+              <a:t>2</a:t>
+            </a:r>
+            <a:r>
+              <a:rPr kumimoji="1" lang="en-US" altLang="ja-JP" sz="1400" dirty="0">
+                <a:solidFill>
+                  <a:srgbClr val="FF0000"/>
+                </a:solidFill>
+              </a:rPr>
+              <a:t>. </a:t>
+            </a:r>
+            <a:r>
+              <a:rPr kumimoji="1" lang="ja-JP" altLang="en-US" sz="1400" dirty="0">
+                <a:solidFill>
+                  <a:srgbClr val="FF0000"/>
+                </a:solidFill>
+              </a:rPr>
+              <a:t>引数を元に</a:t>
+            </a:r>
+            <a:r>
+              <a:rPr lang="ja-JP" altLang="en-US" sz="1400" dirty="0">
+                <a:solidFill>
+                  <a:srgbClr val="FF0000"/>
+                </a:solidFill>
+              </a:rPr>
+              <a:t>計算</a:t>
+            </a:r>
+            <a:endParaRPr kumimoji="1" lang="ja-JP" altLang="en-US" sz="1400" dirty="0">
+              <a:solidFill>
+                <a:srgbClr val="FF0000"/>
+              </a:solidFill>
+            </a:endParaRPr>
+          </a:p>
+        </p:txBody>
+      </p:sp>
+      <p:cxnSp>
+        <p:nvCxnSpPr>
+          <p:cNvPr id="25" name="直線矢印コネクタ 24">
+            <a:extLst>
+              <a:ext uri="{FF2B5EF4-FFF2-40B4-BE49-F238E27FC236}">
+                <a16:creationId xmlns:a16="http://schemas.microsoft.com/office/drawing/2014/main" id="{87346951-B73E-44F0-846D-B46957E8785F}"/>
+              </a:ext>
+            </a:extLst>
+          </p:cNvPr>
+          <p:cNvCxnSpPr>
+            <a:cxnSpLocks/>
+          </p:cNvCxnSpPr>
+          <p:nvPr/>
+        </p:nvCxnSpPr>
+        <p:spPr>
+          <a:xfrm>
+            <a:off x="5439417" y="2993424"/>
+            <a:ext cx="0" cy="1242425"/>
+          </a:xfrm>
+          <a:prstGeom prst="straightConnector1">
+            <a:avLst/>
+          </a:prstGeom>
+          <a:ln w="9525">
+            <a:solidFill>
+              <a:srgbClr val="FF0000"/>
+            </a:solidFill>
+            <a:tailEnd type="triangle"/>
+          </a:ln>
+        </p:spPr>
+        <p:style>
+          <a:lnRef idx="1">
+            <a:schemeClr val="accent1"/>
+          </a:lnRef>
+          <a:fillRef idx="0">
+            <a:schemeClr val="accent1"/>
+          </a:fillRef>
+          <a:effectRef idx="0">
+            <a:schemeClr val="accent1"/>
+          </a:effectRef>
+          <a:fontRef idx="minor">
+            <a:schemeClr val="tx1"/>
+          </a:fontRef>
+        </p:style>
+      </p:cxnSp>
+      <p:sp>
+        <p:nvSpPr>
+          <p:cNvPr id="27" name="円弧 26">
+            <a:extLst>
+              <a:ext uri="{FF2B5EF4-FFF2-40B4-BE49-F238E27FC236}">
+                <a16:creationId xmlns:a16="http://schemas.microsoft.com/office/drawing/2014/main" id="{78198766-54A5-4759-9EE8-91F56EBA8D39}"/>
+              </a:ext>
+            </a:extLst>
+          </p:cNvPr>
+          <p:cNvSpPr/>
+          <p:nvPr/>
+        </p:nvSpPr>
+        <p:spPr>
+          <a:xfrm rot="11211622">
+            <a:off x="2366388" y="-140024"/>
+            <a:ext cx="3268242" cy="5266071"/>
+          </a:xfrm>
+          <a:prstGeom prst="arc">
+            <a:avLst>
+              <a:gd name="adj1" fmla="val 14438737"/>
+              <a:gd name="adj2" fmla="val 19534286"/>
+            </a:avLst>
+          </a:prstGeom>
+          <a:ln w="9525">
+            <a:solidFill>
+              <a:srgbClr val="FF0000"/>
+            </a:solidFill>
+            <a:headEnd type="none" w="med" len="med"/>
+            <a:tailEnd type="arrow" w="med" len="med"/>
+          </a:ln>
+        </p:spPr>
+        <p:style>
+          <a:lnRef idx="1">
+            <a:schemeClr val="accent1"/>
+          </a:lnRef>
+          <a:fillRef idx="0">
+            <a:schemeClr val="accent1"/>
+          </a:fillRef>
+          <a:effectRef idx="0">
+            <a:schemeClr val="accent1"/>
+          </a:effectRef>
+          <a:fontRef idx="minor">
+            <a:schemeClr val="tx1"/>
+          </a:fontRef>
+        </p:style>
+        <p:txBody>
+          <a:bodyPr rtlCol="0" anchor="ctr"/>
+          <a:lstStyle/>
+          <a:p>
+            <a:pPr algn="ctr"/>
+            <a:endParaRPr kumimoji="1" lang="ja-JP" altLang="en-US"/>
+          </a:p>
+        </p:txBody>
+      </p:sp>
+      <p:sp>
+        <p:nvSpPr>
+          <p:cNvPr id="28" name="テキスト ボックス 27">
+            <a:extLst>
+              <a:ext uri="{FF2B5EF4-FFF2-40B4-BE49-F238E27FC236}">
+                <a16:creationId xmlns:a16="http://schemas.microsoft.com/office/drawing/2014/main" id="{777A0056-423A-42A6-A835-A88992C54F55}"/>
+              </a:ext>
+            </a:extLst>
+          </p:cNvPr>
+          <p:cNvSpPr txBox="1"/>
+          <p:nvPr/>
+        </p:nvSpPr>
+        <p:spPr>
+          <a:xfrm>
+            <a:off x="3886439" y="5100968"/>
+            <a:ext cx="3105955" cy="307777"/>
+          </a:xfrm>
+          <a:prstGeom prst="rect">
+            <a:avLst/>
+          </a:prstGeom>
+          <a:noFill/>
+        </p:spPr>
+        <p:txBody>
+          <a:bodyPr wrap="square" rtlCol="0">
+            <a:spAutoFit/>
+          </a:bodyPr>
+          <a:lstStyle/>
+          <a:p>
+            <a:r>
+              <a:rPr kumimoji="1" lang="en-US" altLang="ja-JP" sz="1400" dirty="0">
+                <a:solidFill>
+                  <a:srgbClr val="FF0000"/>
+                </a:solidFill>
+              </a:rPr>
+              <a:t>3. </a:t>
+            </a:r>
+            <a:r>
+              <a:rPr lang="ja-JP" altLang="en-US" sz="1400" dirty="0">
+                <a:solidFill>
+                  <a:srgbClr val="FF0000"/>
+                </a:solidFill>
+              </a:rPr>
+              <a:t>計算結果を関数呼び出し元に返す．</a:t>
+            </a:r>
+            <a:endParaRPr kumimoji="1" lang="en-US" altLang="ja-JP" sz="1400" dirty="0">
+              <a:solidFill>
+                <a:srgbClr val="FF0000"/>
+              </a:solidFill>
+            </a:endParaRPr>
+          </a:p>
+        </p:txBody>
+      </p:sp>
+      <p:sp>
+        <p:nvSpPr>
+          <p:cNvPr id="29" name="左中かっこ 28">
+            <a:extLst>
+              <a:ext uri="{FF2B5EF4-FFF2-40B4-BE49-F238E27FC236}">
+                <a16:creationId xmlns:a16="http://schemas.microsoft.com/office/drawing/2014/main" id="{2A77E5A4-D883-47D0-A18D-1BC89F5A4CE6}"/>
+              </a:ext>
+            </a:extLst>
+          </p:cNvPr>
+          <p:cNvSpPr/>
+          <p:nvPr/>
+        </p:nvSpPr>
+        <p:spPr>
+          <a:xfrm rot="16200000">
+            <a:off x="2769002" y="2221390"/>
+            <a:ext cx="143165" cy="404490"/>
+          </a:xfrm>
+          <a:prstGeom prst="leftBrace">
+            <a:avLst/>
+          </a:prstGeom>
+          <a:ln>
+            <a:solidFill>
+              <a:srgbClr val="FF9900"/>
+            </a:solidFill>
+          </a:ln>
+        </p:spPr>
+        <p:style>
+          <a:lnRef idx="1">
+            <a:schemeClr val="accent1"/>
+          </a:lnRef>
+          <a:fillRef idx="0">
+            <a:schemeClr val="accent1"/>
+          </a:fillRef>
+          <a:effectRef idx="0">
+            <a:schemeClr val="accent1"/>
+          </a:effectRef>
+          <a:fontRef idx="minor">
+            <a:schemeClr val="tx1"/>
+          </a:fontRef>
+        </p:style>
+        <p:txBody>
+          <a:bodyPr rtlCol="0" anchor="ctr"/>
+          <a:lstStyle/>
+          <a:p>
+            <a:pPr algn="ctr"/>
+            <a:endParaRPr kumimoji="1" lang="ja-JP" altLang="en-US"/>
+          </a:p>
+        </p:txBody>
+      </p:sp>
+      <p:sp>
+        <p:nvSpPr>
+          <p:cNvPr id="30" name="テキスト ボックス 29">
+            <a:extLst>
+              <a:ext uri="{FF2B5EF4-FFF2-40B4-BE49-F238E27FC236}">
+                <a16:creationId xmlns:a16="http://schemas.microsoft.com/office/drawing/2014/main" id="{EAFF22C1-3145-40E6-8C17-4701837355E7}"/>
+              </a:ext>
+            </a:extLst>
+          </p:cNvPr>
+          <p:cNvSpPr txBox="1"/>
+          <p:nvPr/>
+        </p:nvSpPr>
+        <p:spPr>
+          <a:xfrm>
+            <a:off x="2592057" y="2546422"/>
+            <a:ext cx="543739" cy="307777"/>
+          </a:xfrm>
+          <a:prstGeom prst="rect">
+            <a:avLst/>
+          </a:prstGeom>
+          <a:noFill/>
+        </p:spPr>
+        <p:txBody>
+          <a:bodyPr wrap="none" rtlCol="0">
+            <a:spAutoFit/>
+          </a:bodyPr>
+          <a:lstStyle/>
+          <a:p>
+            <a:r>
+              <a:rPr kumimoji="1" lang="ja-JP" altLang="en-US" sz="1400" dirty="0">
+                <a:solidFill>
+                  <a:srgbClr val="FF9900"/>
+                </a:solidFill>
+              </a:rPr>
+              <a:t>引数</a:t>
+            </a:r>
+          </a:p>
+        </p:txBody>
+      </p:sp>
+      <p:sp>
+        <p:nvSpPr>
+          <p:cNvPr id="31" name="左中かっこ 30">
+            <a:extLst>
+              <a:ext uri="{FF2B5EF4-FFF2-40B4-BE49-F238E27FC236}">
+                <a16:creationId xmlns:a16="http://schemas.microsoft.com/office/drawing/2014/main" id="{903F71E1-4DE5-467A-B540-7A851AED4D7C}"/>
+              </a:ext>
+            </a:extLst>
+          </p:cNvPr>
+          <p:cNvSpPr/>
+          <p:nvPr/>
+        </p:nvSpPr>
+        <p:spPr>
+          <a:xfrm rot="16200000">
+            <a:off x="2102390" y="2064670"/>
+            <a:ext cx="143166" cy="697178"/>
+          </a:xfrm>
+          <a:prstGeom prst="leftBrace">
+            <a:avLst/>
+          </a:prstGeom>
+          <a:ln>
+            <a:solidFill>
+              <a:schemeClr val="accent1"/>
+            </a:solidFill>
+          </a:ln>
+        </p:spPr>
+        <p:style>
+          <a:lnRef idx="1">
+            <a:schemeClr val="accent1"/>
+          </a:lnRef>
+          <a:fillRef idx="0">
+            <a:schemeClr val="accent1"/>
+          </a:fillRef>
+          <a:effectRef idx="0">
+            <a:schemeClr val="accent1"/>
+          </a:effectRef>
+          <a:fontRef idx="minor">
+            <a:schemeClr val="tx1"/>
+          </a:fontRef>
+        </p:style>
+        <p:txBody>
+          <a:bodyPr rtlCol="0" anchor="ctr"/>
+          <a:lstStyle/>
+          <a:p>
+            <a:pPr algn="ctr"/>
+            <a:endParaRPr kumimoji="1" lang="ja-JP" altLang="en-US">
+              <a:solidFill>
+                <a:schemeClr val="accent1"/>
+              </a:solidFill>
+            </a:endParaRPr>
+          </a:p>
+        </p:txBody>
+      </p:sp>
+      <p:sp>
+        <p:nvSpPr>
+          <p:cNvPr id="32" name="テキスト ボックス 31">
+            <a:extLst>
+              <a:ext uri="{FF2B5EF4-FFF2-40B4-BE49-F238E27FC236}">
+                <a16:creationId xmlns:a16="http://schemas.microsoft.com/office/drawing/2014/main" id="{FCFF6794-C9A5-41DE-9110-188BF1563A6B}"/>
+              </a:ext>
+            </a:extLst>
+          </p:cNvPr>
+          <p:cNvSpPr txBox="1"/>
+          <p:nvPr/>
+        </p:nvSpPr>
+        <p:spPr>
+          <a:xfrm>
+            <a:off x="1799287" y="2536046"/>
+            <a:ext cx="723275" cy="307777"/>
+          </a:xfrm>
+          <a:prstGeom prst="rect">
+            <a:avLst/>
+          </a:prstGeom>
+          <a:noFill/>
+        </p:spPr>
+        <p:txBody>
+          <a:bodyPr wrap="none" rtlCol="0">
+            <a:spAutoFit/>
+          </a:bodyPr>
+          <a:lstStyle/>
+          <a:p>
+            <a:r>
+              <a:rPr kumimoji="1" lang="ja-JP" altLang="en-US" sz="1400" dirty="0">
+                <a:solidFill>
+                  <a:schemeClr val="accent1"/>
+                </a:solidFill>
+              </a:rPr>
+              <a:t>関数名</a:t>
+            </a:r>
+          </a:p>
+        </p:txBody>
+      </p:sp>
+      <p:sp>
+        <p:nvSpPr>
+          <p:cNvPr id="33" name="テキスト ボックス 32">
+            <a:extLst>
+              <a:ext uri="{FF2B5EF4-FFF2-40B4-BE49-F238E27FC236}">
+                <a16:creationId xmlns:a16="http://schemas.microsoft.com/office/drawing/2014/main" id="{92823F53-63C2-4AF3-ADF4-AD1F01E59A5E}"/>
+              </a:ext>
+            </a:extLst>
+          </p:cNvPr>
+          <p:cNvSpPr txBox="1"/>
+          <p:nvPr/>
+        </p:nvSpPr>
+        <p:spPr>
+          <a:xfrm>
+            <a:off x="825570" y="3024113"/>
+            <a:ext cx="2326230" cy="307777"/>
+          </a:xfrm>
+          <a:prstGeom prst="rect">
+            <a:avLst/>
+          </a:prstGeom>
+          <a:noFill/>
+        </p:spPr>
+        <p:txBody>
+          <a:bodyPr wrap="square" rtlCol="0">
+            <a:spAutoFit/>
+          </a:bodyPr>
+          <a:lstStyle/>
+          <a:p>
+            <a:r>
+              <a:rPr kumimoji="1" lang="en-US" altLang="ja-JP" sz="1400" dirty="0">
+                <a:solidFill>
+                  <a:srgbClr val="FF0000"/>
+                </a:solidFill>
+              </a:rPr>
+              <a:t>4. </a:t>
+            </a:r>
+            <a:r>
+              <a:rPr kumimoji="1" lang="ja-JP" altLang="en-US" sz="1400" dirty="0">
+                <a:solidFill>
+                  <a:srgbClr val="FF0000"/>
+                </a:solidFill>
+              </a:rPr>
+              <a:t>変数に返り値を代入する．</a:t>
+            </a:r>
+            <a:endParaRPr kumimoji="1" lang="en-US" altLang="ja-JP" sz="1400" dirty="0">
+              <a:solidFill>
+                <a:srgbClr val="FF0000"/>
+              </a:solidFill>
+            </a:endParaRPr>
+          </a:p>
+        </p:txBody>
+      </p:sp>
+      <p:sp>
+        <p:nvSpPr>
+          <p:cNvPr id="34" name="円弧 33">
+            <a:extLst>
+              <a:ext uri="{FF2B5EF4-FFF2-40B4-BE49-F238E27FC236}">
+                <a16:creationId xmlns:a16="http://schemas.microsoft.com/office/drawing/2014/main" id="{F5074C1E-04CA-4ED0-AC5E-723498AF134E}"/>
+              </a:ext>
+            </a:extLst>
+          </p:cNvPr>
+          <p:cNvSpPr/>
+          <p:nvPr/>
+        </p:nvSpPr>
+        <p:spPr>
+          <a:xfrm rot="11211622">
+            <a:off x="1423339" y="-513254"/>
+            <a:ext cx="3268242" cy="4114526"/>
+          </a:xfrm>
+          <a:prstGeom prst="arc">
+            <a:avLst>
+              <a:gd name="adj1" fmla="val 18051231"/>
+              <a:gd name="adj2" fmla="val 19534286"/>
+            </a:avLst>
+          </a:prstGeom>
+          <a:ln w="9525">
+            <a:solidFill>
+              <a:srgbClr val="FF0000"/>
+            </a:solidFill>
+            <a:headEnd type="none" w="med" len="med"/>
+            <a:tailEnd type="arrow" w="med" len="med"/>
+          </a:ln>
+        </p:spPr>
+        <p:style>
+          <a:lnRef idx="1">
+            <a:schemeClr val="accent1"/>
+          </a:lnRef>
+          <a:fillRef idx="0">
+            <a:schemeClr val="accent1"/>
+          </a:fillRef>
+          <a:effectRef idx="0">
+            <a:schemeClr val="accent1"/>
+          </a:effectRef>
+          <a:fontRef idx="minor">
+            <a:schemeClr val="tx1"/>
+          </a:fontRef>
+        </p:style>
+        <p:txBody>
+          <a:bodyPr rtlCol="0" anchor="ctr"/>
+          <a:lstStyle/>
+          <a:p>
+            <a:pPr algn="ctr"/>
+            <a:endParaRPr kumimoji="1" lang="ja-JP" altLang="en-US"/>
+          </a:p>
+        </p:txBody>
+      </p:sp>
+    </p:spTree>
+    <p:extLst>
+      <p:ext uri="{BB962C8B-B14F-4D97-AF65-F5344CB8AC3E}">
+        <p14:creationId xmlns:p14="http://schemas.microsoft.com/office/powerpoint/2010/main" val="2375072847"/>
+      </p:ext>
+    </p:extLst>
+  </p:cSld>
+  <p:clrMapOvr>
+    <a:masterClrMapping/>
+  </p:clrMapOvr>
+</p:sld>
+</file>
+
+<file path=ppt/slides/slide4.xml><?xml version="1.0" encoding="utf-8"?>
+<p:sld xmlns:a="http://schemas.openxmlformats.org/drawingml/2006/main" xmlns:r="http://schemas.openxmlformats.org/officeDocument/2006/relationships" xmlns:p="http://schemas.openxmlformats.org/presentationml/2006/main">
+  <p:cSld>
+    <p:spTree>
+      <p:nvGrpSpPr>
+        <p:cNvPr id="1" name=""/>
+        <p:cNvGrpSpPr/>
+        <p:nvPr/>
+      </p:nvGrpSpPr>
+      <p:grpSpPr>
+        <a:xfrm>
+          <a:off x="0" y="0"/>
+          <a:ext cx="0" cy="0"/>
+          <a:chOff x="0" y="0"/>
+          <a:chExt cx="0" cy="0"/>
+        </a:xfrm>
+      </p:grpSpPr>
+      <p:sp>
+        <p:nvSpPr>
+          <p:cNvPr id="6" name="タイトル 5">
+            <a:extLst>
+              <a:ext uri="{FF2B5EF4-FFF2-40B4-BE49-F238E27FC236}">
+                <a16:creationId xmlns:a16="http://schemas.microsoft.com/office/drawing/2014/main" id="{6E24A800-C60F-4CD5-B0D8-E8545F3A9259}"/>
+              </a:ext>
+            </a:extLst>
+          </p:cNvPr>
+          <p:cNvSpPr>
+            <a:spLocks noGrp="1"/>
+          </p:cNvSpPr>
+          <p:nvPr>
+            <p:ph type="title"/>
+          </p:nvPr>
+        </p:nvSpPr>
+        <p:spPr/>
+        <p:txBody>
+          <a:bodyPr/>
+          <a:lstStyle/>
+          <a:p>
+            <a:endParaRPr lang="ja-JP" altLang="en-US"/>
+          </a:p>
+        </p:txBody>
+      </p:sp>
+      <p:sp>
+        <p:nvSpPr>
+          <p:cNvPr id="10" name="テキスト ボックス 9">
+            <a:extLst>
+              <a:ext uri="{FF2B5EF4-FFF2-40B4-BE49-F238E27FC236}">
+                <a16:creationId xmlns:a16="http://schemas.microsoft.com/office/drawing/2014/main" id="{11DA12EE-5067-4F3C-AD00-D3FB80AA4DC8}"/>
+              </a:ext>
+            </a:extLst>
+          </p:cNvPr>
+          <p:cNvSpPr txBox="1"/>
+          <p:nvPr/>
+        </p:nvSpPr>
+        <p:spPr>
+          <a:xfrm>
             <a:off x="794864" y="2033926"/>
             <a:ext cx="2726193" cy="338554"/>
           </a:xfrm>
@@ -5074,7 +5640,7 @@
 </p:sld>
 </file>
 
-<file path=ppt/slides/slide4.xml><?xml version="1.0" encoding="utf-8"?>
+<file path=ppt/slides/slide5.xml><?xml version="1.0" encoding="utf-8"?>
 <p:sld xmlns:a="http://schemas.openxmlformats.org/drawingml/2006/main" xmlns:r="http://schemas.openxmlformats.org/officeDocument/2006/relationships" xmlns:p="http://schemas.openxmlformats.org/presentationml/2006/main">
   <p:cSld>
     <p:spTree>
